--- a/KernelDeveloperGuide/pptx/KernelSecurityPolicyManagerFlow.pptx
+++ b/KernelDeveloperGuide/pptx/KernelSecurityPolicyManagerFlow.pptx
@@ -4954,7 +4954,7 @@
           <a:p>
             <a:fld id="{025BB511-135A-4023-9BA9-4F1E5285ED4F}" type="datetimeFigureOut">
               <a:rPr lang="en-US" smtClean="0"/>
-              <a:t>4/17/2024</a:t>
+              <a:t>4/24/2024</a:t>
             </a:fld>
             <a:endParaRPr lang="en-US"/>
           </a:p>
@@ -5152,7 +5152,7 @@
           <a:p>
             <a:fld id="{025BB511-135A-4023-9BA9-4F1E5285ED4F}" type="datetimeFigureOut">
               <a:rPr lang="en-US" smtClean="0"/>
-              <a:t>4/17/2024</a:t>
+              <a:t>4/24/2024</a:t>
             </a:fld>
             <a:endParaRPr lang="en-US"/>
           </a:p>
@@ -7758,7 +7758,7 @@
         </p:nvSpPr>
         <p:spPr>
           <a:xfrm>
-            <a:off x="350985" y="3428419"/>
+            <a:off x="352984" y="3429654"/>
             <a:ext cx="11510900" cy="1951197"/>
           </a:xfrm>
           <a:prstGeom prst="roundRect">
@@ -7955,7 +7955,7 @@
         <p:spPr>
           <a:xfrm>
             <a:off x="567615" y="4579315"/>
-            <a:ext cx="11051013" cy="584538"/>
+            <a:ext cx="9632095" cy="584538"/>
           </a:xfrm>
           <a:prstGeom prst="roundRect">
             <a:avLst/>
@@ -7990,20 +7990,20 @@
             <a:pPr algn="ctr"/>
             <a:r>
               <a:rPr lang="en-US" sz="1400" dirty="0">
-                <a:latin typeface="Source Sans Pro Light" panose="020B0403030403020204" pitchFamily="34" charset="0"/>
-                <a:ea typeface="Source Sans Pro Light" panose="020B0403030403020204" pitchFamily="34" charset="0"/>
+                <a:latin typeface="Source Sans Pro" panose="020B0503030403020204" pitchFamily="34" charset="0"/>
+                <a:ea typeface="Source Sans Pro" panose="020B0503030403020204" pitchFamily="34" charset="0"/>
               </a:rPr>
-              <a:t>Authorized permission map</a:t>
+              <a:t>Permission map</a:t>
             </a:r>
           </a:p>
         </p:txBody>
       </p:sp>
       <p:sp>
         <p:nvSpPr>
-          <p:cNvPr id="7" name="Rectangle: Rounded Corners 6">
+          <p:cNvPr id="12" name="Rectangle: Rounded Corners 11">
             <a:extLst>
               <a:ext uri="{FF2B5EF4-FFF2-40B4-BE49-F238E27FC236}">
-                <a16:creationId xmlns:a16="http://schemas.microsoft.com/office/drawing/2014/main" id="{6D5F0507-8B63-7BC1-801C-E47B5D118A4D}"/>
+                <a16:creationId xmlns:a16="http://schemas.microsoft.com/office/drawing/2014/main" id="{1C785E8C-F7EC-A41C-98FC-ED11BF22C78E}"/>
               </a:ext>
             </a:extLst>
           </p:cNvPr>
@@ -8012,14 +8012,123 @@
         </p:nvSpPr>
         <p:spPr>
           <a:xfrm>
-            <a:off x="572267" y="2123577"/>
-            <a:ext cx="2867712" cy="515203"/>
+            <a:off x="421641" y="695706"/>
+            <a:ext cx="3172234" cy="1083447"/>
           </a:xfrm>
           <a:prstGeom prst="roundRect">
             <a:avLst/>
           </a:prstGeom>
+          <a:solidFill>
+            <a:schemeClr val="accent4"/>
+          </a:solidFill>
           <a:ln w="12700">
             <a:noFill/>
+            <a:prstDash val="dash"/>
+          </a:ln>
+        </p:spPr>
+        <p:style>
+          <a:lnRef idx="2">
+            <a:schemeClr val="accent6"/>
+          </a:lnRef>
+          <a:fillRef idx="1">
+            <a:schemeClr val="lt1"/>
+          </a:fillRef>
+          <a:effectRef idx="0">
+            <a:schemeClr val="accent6"/>
+          </a:effectRef>
+          <a:fontRef idx="minor">
+            <a:schemeClr val="dk1"/>
+          </a:fontRef>
+        </p:style>
+        <p:txBody>
+          <a:bodyPr rtlCol="0" anchor="ctr"/>
+          <a:lstStyle/>
+          <a:p>
+            <a:pPr algn="ctr"/>
+            <a:r>
+              <a:rPr lang="fr-FR" sz="1400" dirty="0">
+                <a:solidFill>
+                  <a:schemeClr val="bg1"/>
+                </a:solidFill>
+                <a:latin typeface="Source Sans Pro" panose="020B0503030403020204" pitchFamily="34" charset="0"/>
+                <a:ea typeface="Source Sans Pro" panose="020B0503030403020204" pitchFamily="34" charset="0"/>
+              </a:rPr>
+              <a:t>New </a:t>
+            </a:r>
+            <a:r>
+              <a:rPr lang="fr-FR" sz="1400" dirty="0" err="1">
+                <a:solidFill>
+                  <a:schemeClr val="bg1"/>
+                </a:solidFill>
+                <a:latin typeface="Source Sans Pro" panose="020B0503030403020204" pitchFamily="34" charset="0"/>
+                <a:ea typeface="Source Sans Pro" panose="020B0503030403020204" pitchFamily="34" charset="0"/>
+              </a:rPr>
+              <a:t>Feature</a:t>
+            </a:r>
+            <a:endParaRPr lang="fr-FR" sz="1400" dirty="0">
+              <a:solidFill>
+                <a:schemeClr val="bg1"/>
+              </a:solidFill>
+              <a:latin typeface="Source Sans Pro" panose="020B0503030403020204" pitchFamily="34" charset="0"/>
+              <a:ea typeface="Source Sans Pro" panose="020B0503030403020204" pitchFamily="34" charset="0"/>
+            </a:endParaRPr>
+          </a:p>
+          <a:p>
+            <a:pPr algn="ctr"/>
+            <a:endParaRPr lang="fr-FR" sz="1400" dirty="0">
+              <a:solidFill>
+                <a:schemeClr val="bg1"/>
+              </a:solidFill>
+              <a:latin typeface="Source Sans Pro Light" panose="020B0403030403020204" pitchFamily="34" charset="0"/>
+              <a:ea typeface="Source Sans Pro Light" panose="020B0403030403020204" pitchFamily="34" charset="0"/>
+            </a:endParaRPr>
+          </a:p>
+          <a:p>
+            <a:pPr algn="ctr"/>
+            <a:endParaRPr lang="fr-FR" sz="1400" dirty="0">
+              <a:solidFill>
+                <a:schemeClr val="bg1"/>
+              </a:solidFill>
+              <a:latin typeface="Source Sans Pro Light" panose="020B0403030403020204" pitchFamily="34" charset="0"/>
+              <a:ea typeface="Source Sans Pro Light" panose="020B0403030403020204" pitchFamily="34" charset="0"/>
+            </a:endParaRPr>
+          </a:p>
+          <a:p>
+            <a:pPr algn="ctr"/>
+            <a:endParaRPr lang="en-US" sz="1400" dirty="0">
+              <a:solidFill>
+                <a:schemeClr val="bg1"/>
+              </a:solidFill>
+              <a:latin typeface="Source Sans Pro Light" panose="020B0403030403020204" pitchFamily="34" charset="0"/>
+              <a:ea typeface="Source Sans Pro Light" panose="020B0403030403020204" pitchFamily="34" charset="0"/>
+            </a:endParaRPr>
+          </a:p>
+        </p:txBody>
+      </p:sp>
+      <p:sp>
+        <p:nvSpPr>
+          <p:cNvPr id="13" name="Rectangle: Rounded Corners 12">
+            <a:extLst>
+              <a:ext uri="{FF2B5EF4-FFF2-40B4-BE49-F238E27FC236}">
+                <a16:creationId xmlns:a16="http://schemas.microsoft.com/office/drawing/2014/main" id="{19ECD98E-7A0D-31D8-DA7E-E271460C184C}"/>
+              </a:ext>
+            </a:extLst>
+          </p:cNvPr>
+          <p:cNvSpPr/>
+          <p:nvPr/>
+        </p:nvSpPr>
+        <p:spPr>
+          <a:xfrm>
+            <a:off x="567616" y="1114806"/>
+            <a:ext cx="2871625" cy="522734"/>
+          </a:xfrm>
+          <a:prstGeom prst="roundRect">
+            <a:avLst/>
+          </a:prstGeom>
+          <a:ln w="12700">
+            <a:solidFill>
+              <a:schemeClr val="accent4"/>
+            </a:solidFill>
           </a:ln>
         </p:spPr>
         <p:style>
@@ -8042,21 +8151,53 @@
           <a:p>
             <a:pPr algn="ctr"/>
             <a:r>
-              <a:rPr lang="en-US" sz="1400" dirty="0">
+              <a:rPr lang="fr-FR" sz="1400" dirty="0">
                 <a:latin typeface="Source Sans Pro Light" panose="020B0403030403020204" pitchFamily="34" charset="0"/>
                 <a:ea typeface="Source Sans Pro Light" panose="020B0403030403020204" pitchFamily="34" charset="0"/>
               </a:rPr>
-              <a:t>Installs the Feature</a:t>
-            </a:r>
+              <a:t>New </a:t>
+            </a:r>
+            <a:r>
+              <a:rPr lang="fr-FR" sz="1400" dirty="0" err="1">
+                <a:latin typeface="Source Sans Pro Light" panose="020B0403030403020204" pitchFamily="34" charset="0"/>
+                <a:ea typeface="Source Sans Pro Light" panose="020B0403030403020204" pitchFamily="34" charset="0"/>
+              </a:rPr>
+              <a:t>Feature</a:t>
+            </a:r>
+            <a:r>
+              <a:rPr lang="fr-FR" sz="1400" dirty="0">
+                <a:latin typeface="Source Sans Pro Light" panose="020B0403030403020204" pitchFamily="34" charset="0"/>
+                <a:ea typeface="Source Sans Pro Light" panose="020B0403030403020204" pitchFamily="34" charset="0"/>
+              </a:rPr>
+              <a:t> </a:t>
+            </a:r>
+            <a:r>
+              <a:rPr lang="fr-FR" sz="1400" dirty="0" err="1">
+                <a:latin typeface="Source Sans Pro Light" panose="020B0403030403020204" pitchFamily="34" charset="0"/>
+                <a:ea typeface="Source Sans Pro Light" panose="020B0403030403020204" pitchFamily="34" charset="0"/>
+              </a:rPr>
+              <a:t>deployed</a:t>
+            </a:r>
+            <a:r>
+              <a:rPr lang="fr-FR" sz="1400" dirty="0">
+                <a:latin typeface="Source Sans Pro Light" panose="020B0403030403020204" pitchFamily="34" charset="0"/>
+                <a:ea typeface="Source Sans Pro Light" panose="020B0403030403020204" pitchFamily="34" charset="0"/>
+              </a:rPr>
+              <a:t> onto the Kernel</a:t>
+            </a:r>
+            <a:endParaRPr lang="en-US" sz="1400" dirty="0">
+              <a:latin typeface="Source Sans Pro Light" panose="020B0403030403020204" pitchFamily="34" charset="0"/>
+              <a:ea typeface="Source Sans Pro Light" panose="020B0403030403020204" pitchFamily="34" charset="0"/>
+            </a:endParaRPr>
           </a:p>
         </p:txBody>
       </p:sp>
       <p:sp>
         <p:nvSpPr>
-          <p:cNvPr id="9" name="Rectangle: Rounded Corners 8">
+          <p:cNvPr id="14" name="Rectangle: Rounded Corners 13">
             <a:extLst>
               <a:ext uri="{FF2B5EF4-FFF2-40B4-BE49-F238E27FC236}">
-                <a16:creationId xmlns:a16="http://schemas.microsoft.com/office/drawing/2014/main" id="{25E0B8A4-1023-01E8-A665-DA9EE37B08FA}"/>
+                <a16:creationId xmlns:a16="http://schemas.microsoft.com/office/drawing/2014/main" id="{A675B611-431D-A99A-C141-9852C1E59B27}"/>
               </a:ext>
             </a:extLst>
           </p:cNvPr>
@@ -8065,8 +8206,8 @@
         </p:nvSpPr>
         <p:spPr>
           <a:xfrm>
-            <a:off x="567616" y="2784473"/>
-            <a:ext cx="2872363" cy="498253"/>
+            <a:off x="3890238" y="1113722"/>
+            <a:ext cx="2871815" cy="547393"/>
           </a:xfrm>
           <a:prstGeom prst="roundRect">
             <a:avLst/>
@@ -8095,389 +8236,11 @@
           <a:p>
             <a:pPr algn="ctr"/>
             <a:r>
-              <a:rPr lang="en-US" sz="1400" dirty="0">
-                <a:latin typeface="Source Sans Pro Light" panose="020B0403030403020204" pitchFamily="34" charset="0"/>
-                <a:ea typeface="Source Sans Pro Light" panose="020B0403030403020204" pitchFamily="34" charset="0"/>
-              </a:rPr>
-              <a:t>Reads permission file from the Feature resources</a:t>
-            </a:r>
-          </a:p>
-        </p:txBody>
-      </p:sp>
-      <p:sp>
-        <p:nvSpPr>
-          <p:cNvPr id="10" name="Rectangle: Rounded Corners 9">
-            <a:extLst>
-              <a:ext uri="{FF2B5EF4-FFF2-40B4-BE49-F238E27FC236}">
-                <a16:creationId xmlns:a16="http://schemas.microsoft.com/office/drawing/2014/main" id="{E1985890-C9C8-D0BD-BEB7-E15957B6177E}"/>
-              </a:ext>
-            </a:extLst>
-          </p:cNvPr>
-          <p:cNvSpPr/>
-          <p:nvPr/>
-        </p:nvSpPr>
-        <p:spPr>
-          <a:xfrm>
-            <a:off x="568166" y="3641923"/>
-            <a:ext cx="2871813" cy="730423"/>
-          </a:xfrm>
-          <a:prstGeom prst="roundRect">
-            <a:avLst/>
-          </a:prstGeom>
-          <a:ln w="12700">
-            <a:solidFill>
-              <a:schemeClr val="tx2"/>
-            </a:solidFill>
-          </a:ln>
-        </p:spPr>
-        <p:style>
-          <a:lnRef idx="2">
-            <a:schemeClr val="accent3"/>
-          </a:lnRef>
-          <a:fillRef idx="1">
-            <a:schemeClr val="lt1"/>
-          </a:fillRef>
-          <a:effectRef idx="0">
-            <a:schemeClr val="accent3"/>
-          </a:effectRef>
-          <a:fontRef idx="minor">
-            <a:schemeClr val="dk1"/>
-          </a:fontRef>
-        </p:style>
-        <p:txBody>
-          <a:bodyPr rtlCol="0" anchor="ctr"/>
-          <a:lstStyle/>
-          <a:p>
-            <a:pPr algn="ctr"/>
-            <a:r>
-              <a:rPr lang="en-US" sz="1400" dirty="0">
-                <a:latin typeface="Source Sans Pro Light" panose="020B0403030403020204" pitchFamily="34" charset="0"/>
-                <a:ea typeface="Source Sans Pro Light" panose="020B0403030403020204" pitchFamily="34" charset="0"/>
-              </a:rPr>
-              <a:t>Parses permissions and add them </a:t>
-            </a:r>
-          </a:p>
-          <a:p>
-            <a:pPr algn="ctr"/>
-            <a:r>
-              <a:rPr lang="en-US" sz="1400" dirty="0">
-                <a:latin typeface="Source Sans Pro Light" panose="020B0403030403020204" pitchFamily="34" charset="0"/>
-                <a:ea typeface="Source Sans Pro Light" panose="020B0403030403020204" pitchFamily="34" charset="0"/>
-              </a:rPr>
-              <a:t>to the authorized map</a:t>
-            </a:r>
-          </a:p>
-        </p:txBody>
-      </p:sp>
-      <p:sp>
-        <p:nvSpPr>
-          <p:cNvPr id="12" name="Rectangle: Rounded Corners 11">
-            <a:extLst>
-              <a:ext uri="{FF2B5EF4-FFF2-40B4-BE49-F238E27FC236}">
-                <a16:creationId xmlns:a16="http://schemas.microsoft.com/office/drawing/2014/main" id="{1C785E8C-F7EC-A41C-98FC-ED11BF22C78E}"/>
-              </a:ext>
-            </a:extLst>
-          </p:cNvPr>
-          <p:cNvSpPr/>
-          <p:nvPr/>
-        </p:nvSpPr>
-        <p:spPr>
-          <a:xfrm>
-            <a:off x="421641" y="695706"/>
-            <a:ext cx="3172234" cy="1083447"/>
-          </a:xfrm>
-          <a:prstGeom prst="roundRect">
-            <a:avLst/>
-          </a:prstGeom>
-          <a:solidFill>
-            <a:schemeClr val="accent4"/>
-          </a:solidFill>
-          <a:ln w="12700">
-            <a:noFill/>
-            <a:prstDash val="dash"/>
-          </a:ln>
-        </p:spPr>
-        <p:style>
-          <a:lnRef idx="2">
-            <a:schemeClr val="accent6"/>
-          </a:lnRef>
-          <a:fillRef idx="1">
-            <a:schemeClr val="lt1"/>
-          </a:fillRef>
-          <a:effectRef idx="0">
-            <a:schemeClr val="accent6"/>
-          </a:effectRef>
-          <a:fontRef idx="minor">
-            <a:schemeClr val="dk1"/>
-          </a:fontRef>
-        </p:style>
-        <p:txBody>
-          <a:bodyPr rtlCol="0" anchor="ctr"/>
-          <a:lstStyle/>
-          <a:p>
-            <a:pPr algn="ctr"/>
-            <a:r>
-              <a:rPr lang="fr-FR" sz="1400" dirty="0">
-                <a:solidFill>
-                  <a:schemeClr val="bg1"/>
-                </a:solidFill>
-                <a:latin typeface="Source Sans Pro" panose="020B0503030403020204" pitchFamily="34" charset="0"/>
-                <a:ea typeface="Source Sans Pro" panose="020B0503030403020204" pitchFamily="34" charset="0"/>
-              </a:rPr>
-              <a:t>New </a:t>
-            </a:r>
-            <a:r>
-              <a:rPr lang="fr-FR" sz="1400" dirty="0" err="1">
-                <a:solidFill>
-                  <a:schemeClr val="bg1"/>
-                </a:solidFill>
-                <a:latin typeface="Source Sans Pro" panose="020B0503030403020204" pitchFamily="34" charset="0"/>
-                <a:ea typeface="Source Sans Pro" panose="020B0503030403020204" pitchFamily="34" charset="0"/>
-              </a:rPr>
-              <a:t>Feature</a:t>
-            </a:r>
-            <a:endParaRPr lang="fr-FR" sz="1400" dirty="0">
-              <a:solidFill>
-                <a:schemeClr val="bg1"/>
-              </a:solidFill>
-              <a:latin typeface="Source Sans Pro" panose="020B0503030403020204" pitchFamily="34" charset="0"/>
-              <a:ea typeface="Source Sans Pro" panose="020B0503030403020204" pitchFamily="34" charset="0"/>
-            </a:endParaRPr>
-          </a:p>
-          <a:p>
-            <a:pPr algn="ctr"/>
-            <a:endParaRPr lang="fr-FR" sz="1400" dirty="0">
-              <a:solidFill>
-                <a:schemeClr val="bg1"/>
-              </a:solidFill>
-              <a:latin typeface="Source Sans Pro Light" panose="020B0403030403020204" pitchFamily="34" charset="0"/>
-              <a:ea typeface="Source Sans Pro Light" panose="020B0403030403020204" pitchFamily="34" charset="0"/>
-            </a:endParaRPr>
-          </a:p>
-          <a:p>
-            <a:pPr algn="ctr"/>
-            <a:endParaRPr lang="fr-FR" sz="1400" dirty="0">
-              <a:solidFill>
-                <a:schemeClr val="bg1"/>
-              </a:solidFill>
-              <a:latin typeface="Source Sans Pro Light" panose="020B0403030403020204" pitchFamily="34" charset="0"/>
-              <a:ea typeface="Source Sans Pro Light" panose="020B0403030403020204" pitchFamily="34" charset="0"/>
-            </a:endParaRPr>
-          </a:p>
-          <a:p>
-            <a:pPr algn="ctr"/>
-            <a:endParaRPr lang="en-US" sz="1400" dirty="0">
-              <a:solidFill>
-                <a:schemeClr val="bg1"/>
-              </a:solidFill>
-              <a:latin typeface="Source Sans Pro Light" panose="020B0403030403020204" pitchFamily="34" charset="0"/>
-              <a:ea typeface="Source Sans Pro Light" panose="020B0403030403020204" pitchFamily="34" charset="0"/>
-            </a:endParaRPr>
-          </a:p>
-        </p:txBody>
-      </p:sp>
-      <p:sp>
-        <p:nvSpPr>
-          <p:cNvPr id="13" name="Rectangle: Rounded Corners 12">
-            <a:extLst>
-              <a:ext uri="{FF2B5EF4-FFF2-40B4-BE49-F238E27FC236}">
-                <a16:creationId xmlns:a16="http://schemas.microsoft.com/office/drawing/2014/main" id="{19ECD98E-7A0D-31D8-DA7E-E271460C184C}"/>
-              </a:ext>
-            </a:extLst>
-          </p:cNvPr>
-          <p:cNvSpPr/>
-          <p:nvPr/>
-        </p:nvSpPr>
-        <p:spPr>
-          <a:xfrm>
-            <a:off x="567616" y="1114806"/>
-            <a:ext cx="2871625" cy="522734"/>
-          </a:xfrm>
-          <a:prstGeom prst="roundRect">
-            <a:avLst/>
-          </a:prstGeom>
-          <a:ln w="12700">
-            <a:solidFill>
-              <a:schemeClr val="accent4"/>
-            </a:solidFill>
-          </a:ln>
-        </p:spPr>
-        <p:style>
-          <a:lnRef idx="2">
-            <a:schemeClr val="accent3"/>
-          </a:lnRef>
-          <a:fillRef idx="1">
-            <a:schemeClr val="lt1"/>
-          </a:fillRef>
-          <a:effectRef idx="0">
-            <a:schemeClr val="accent3"/>
-          </a:effectRef>
-          <a:fontRef idx="minor">
-            <a:schemeClr val="dk1"/>
-          </a:fontRef>
-        </p:style>
-        <p:txBody>
-          <a:bodyPr rtlCol="0" anchor="ctr"/>
-          <a:lstStyle/>
-          <a:p>
-            <a:pPr algn="ctr"/>
-            <a:r>
-              <a:rPr lang="fr-FR" sz="1400" dirty="0">
-                <a:latin typeface="Source Sans Pro Light" panose="020B0403030403020204" pitchFamily="34" charset="0"/>
-                <a:ea typeface="Source Sans Pro Light" panose="020B0403030403020204" pitchFamily="34" charset="0"/>
-              </a:rPr>
-              <a:t>New </a:t>
-            </a:r>
-            <a:r>
-              <a:rPr lang="fr-FR" sz="1400" dirty="0" err="1">
-                <a:latin typeface="Source Sans Pro Light" panose="020B0403030403020204" pitchFamily="34" charset="0"/>
-                <a:ea typeface="Source Sans Pro Light" panose="020B0403030403020204" pitchFamily="34" charset="0"/>
-              </a:rPr>
-              <a:t>Feature</a:t>
-            </a:r>
-            <a:r>
-              <a:rPr lang="fr-FR" sz="1400" dirty="0">
-                <a:latin typeface="Source Sans Pro Light" panose="020B0403030403020204" pitchFamily="34" charset="0"/>
-                <a:ea typeface="Source Sans Pro Light" panose="020B0403030403020204" pitchFamily="34" charset="0"/>
-              </a:rPr>
-              <a:t> </a:t>
-            </a:r>
-            <a:r>
-              <a:rPr lang="fr-FR" sz="1400" dirty="0" err="1">
-                <a:latin typeface="Source Sans Pro Light" panose="020B0403030403020204" pitchFamily="34" charset="0"/>
-                <a:ea typeface="Source Sans Pro Light" panose="020B0403030403020204" pitchFamily="34" charset="0"/>
-              </a:rPr>
-              <a:t>deployed</a:t>
-            </a:r>
-            <a:r>
-              <a:rPr lang="fr-FR" sz="1400" dirty="0">
-                <a:latin typeface="Source Sans Pro Light" panose="020B0403030403020204" pitchFamily="34" charset="0"/>
-                <a:ea typeface="Source Sans Pro Light" panose="020B0403030403020204" pitchFamily="34" charset="0"/>
-              </a:rPr>
-              <a:t> onto the Kernel</a:t>
-            </a:r>
-            <a:endParaRPr lang="en-US" sz="1400" dirty="0">
-              <a:latin typeface="Source Sans Pro Light" panose="020B0403030403020204" pitchFamily="34" charset="0"/>
-              <a:ea typeface="Source Sans Pro Light" panose="020B0403030403020204" pitchFamily="34" charset="0"/>
-            </a:endParaRPr>
-          </a:p>
-        </p:txBody>
-      </p:sp>
-      <p:sp>
-        <p:nvSpPr>
-          <p:cNvPr id="14" name="Rectangle: Rounded Corners 13">
-            <a:extLst>
-              <a:ext uri="{FF2B5EF4-FFF2-40B4-BE49-F238E27FC236}">
-                <a16:creationId xmlns:a16="http://schemas.microsoft.com/office/drawing/2014/main" id="{A675B611-431D-A99A-C141-9852C1E59B27}"/>
-              </a:ext>
-            </a:extLst>
-          </p:cNvPr>
-          <p:cNvSpPr/>
-          <p:nvPr/>
-        </p:nvSpPr>
-        <p:spPr>
-          <a:xfrm>
-            <a:off x="3890238" y="1113722"/>
-            <a:ext cx="2871815" cy="547393"/>
-          </a:xfrm>
-          <a:prstGeom prst="roundRect">
-            <a:avLst/>
-          </a:prstGeom>
-          <a:ln w="12700">
-            <a:noFill/>
-          </a:ln>
-        </p:spPr>
-        <p:style>
-          <a:lnRef idx="2">
-            <a:schemeClr val="accent3"/>
-          </a:lnRef>
-          <a:fillRef idx="1">
-            <a:schemeClr val="lt1"/>
-          </a:fillRef>
-          <a:effectRef idx="0">
-            <a:schemeClr val="accent3"/>
-          </a:effectRef>
-          <a:fontRef idx="minor">
-            <a:schemeClr val="dk1"/>
-          </a:fontRef>
-        </p:style>
-        <p:txBody>
-          <a:bodyPr rtlCol="0" anchor="ctr"/>
-          <a:lstStyle/>
-          <a:p>
-            <a:pPr algn="ctr"/>
-            <a:r>
               <a:rPr lang="fr-FR" sz="1400" dirty="0">
                 <a:latin typeface="Source Sans Pro Light" panose="020B0403030403020204" pitchFamily="34" charset="0"/>
                 <a:ea typeface="Source Sans Pro Light" panose="020B0403030403020204" pitchFamily="34" charset="0"/>
               </a:rPr>
               <a:t>Check for permission</a:t>
-            </a:r>
-            <a:endParaRPr lang="en-US" sz="1400" dirty="0">
-              <a:latin typeface="Source Sans Pro Light" panose="020B0403030403020204" pitchFamily="34" charset="0"/>
-              <a:ea typeface="Source Sans Pro Light" panose="020B0403030403020204" pitchFamily="34" charset="0"/>
-            </a:endParaRPr>
-          </a:p>
-        </p:txBody>
-      </p:sp>
-      <p:sp>
-        <p:nvSpPr>
-          <p:cNvPr id="15" name="Rectangle: Rounded Corners 14">
-            <a:extLst>
-              <a:ext uri="{FF2B5EF4-FFF2-40B4-BE49-F238E27FC236}">
-                <a16:creationId xmlns:a16="http://schemas.microsoft.com/office/drawing/2014/main" id="{360CA92F-4FA0-9583-4A4C-35A9053B7FD7}"/>
-              </a:ext>
-            </a:extLst>
-          </p:cNvPr>
-          <p:cNvSpPr/>
-          <p:nvPr/>
-        </p:nvSpPr>
-        <p:spPr>
-          <a:xfrm>
-            <a:off x="3892813" y="3646275"/>
-            <a:ext cx="2871815" cy="730423"/>
-          </a:xfrm>
-          <a:prstGeom prst="roundRect">
-            <a:avLst/>
-          </a:prstGeom>
-          <a:ln w="12700">
-            <a:solidFill>
-              <a:schemeClr val="tx2"/>
-            </a:solidFill>
-          </a:ln>
-        </p:spPr>
-        <p:style>
-          <a:lnRef idx="2">
-            <a:schemeClr val="accent3"/>
-          </a:lnRef>
-          <a:fillRef idx="1">
-            <a:schemeClr val="lt1"/>
-          </a:fillRef>
-          <a:effectRef idx="0">
-            <a:schemeClr val="accent3"/>
-          </a:effectRef>
-          <a:fontRef idx="minor">
-            <a:schemeClr val="dk1"/>
-          </a:fontRef>
-        </p:style>
-        <p:txBody>
-          <a:bodyPr rtlCol="0" anchor="ctr"/>
-          <a:lstStyle/>
-          <a:p>
-            <a:pPr algn="ctr"/>
-            <a:r>
-              <a:rPr lang="en-US" sz="1400" dirty="0">
-                <a:latin typeface="Source Sans Pro Light" panose="020B0403030403020204" pitchFamily="34" charset="0"/>
-                <a:ea typeface="Source Sans Pro Light" panose="020B0403030403020204" pitchFamily="34" charset="0"/>
-              </a:rPr>
-              <a:t>Checks if permission is in the authorized map. If not, throws a </a:t>
-            </a:r>
-            <a:r>
-              <a:rPr lang="en-US" sz="1400" dirty="0" err="1">
-                <a:latin typeface="Source Sans Pro Light" panose="020B0403030403020204" pitchFamily="34" charset="0"/>
-                <a:ea typeface="Source Sans Pro Light" panose="020B0403030403020204" pitchFamily="34" charset="0"/>
-              </a:rPr>
-              <a:t>SecurityException</a:t>
             </a:r>
             <a:endParaRPr lang="en-US" sz="1400" dirty="0">
               <a:latin typeface="Source Sans Pro Light" panose="020B0403030403020204" pitchFamily="34" charset="0"/>
@@ -8498,14 +8261,14 @@
           <p:cNvCxnSpPr>
             <a:cxnSpLocks/>
             <a:stCxn id="12" idx="2"/>
-            <a:endCxn id="7" idx="0"/>
+            <a:endCxn id="48" idx="0"/>
           </p:cNvCxnSpPr>
           <p:nvPr/>
         </p:nvCxnSpPr>
         <p:spPr>
           <a:xfrm flipH="1">
-            <a:off x="2006123" y="1779153"/>
-            <a:ext cx="1635" cy="344424"/>
+            <a:off x="2001470" y="1779153"/>
+            <a:ext cx="6288" cy="484867"/>
           </a:xfrm>
           <a:prstGeom prst="straightConnector1">
             <a:avLst/>
@@ -8545,14 +8308,14 @@
           <p:cNvCxnSpPr>
             <a:cxnSpLocks/>
             <a:stCxn id="14" idx="2"/>
-            <a:endCxn id="15" idx="0"/>
+            <a:endCxn id="78" idx="0"/>
           </p:cNvCxnSpPr>
           <p:nvPr/>
         </p:nvCxnSpPr>
         <p:spPr>
           <a:xfrm>
             <a:off x="5326146" y="1661115"/>
-            <a:ext cx="2575" cy="1985160"/>
+            <a:ext cx="2051" cy="2068237"/>
           </a:xfrm>
           <a:prstGeom prst="straightConnector1">
             <a:avLst/>
@@ -8593,15 +8356,15 @@
           </p:cNvPr>
           <p:cNvCxnSpPr>
             <a:cxnSpLocks/>
-            <a:stCxn id="9" idx="2"/>
-            <a:endCxn id="10" idx="0"/>
+            <a:stCxn id="57" idx="2"/>
+            <a:endCxn id="59" idx="0"/>
           </p:cNvCxnSpPr>
           <p:nvPr/>
         </p:nvCxnSpPr>
         <p:spPr>
           <a:xfrm>
-            <a:off x="2003798" y="3282726"/>
-            <a:ext cx="275" cy="359197"/>
+            <a:off x="2001470" y="3255325"/>
+            <a:ext cx="0" cy="474028"/>
           </a:xfrm>
           <a:prstGeom prst="straightConnector1">
             <a:avLst/>
@@ -8642,15 +8405,15 @@
           </p:cNvPr>
           <p:cNvCxnSpPr>
             <a:cxnSpLocks/>
-            <a:stCxn id="7" idx="2"/>
-            <a:endCxn id="9" idx="0"/>
+            <a:stCxn id="48" idx="2"/>
+            <a:endCxn id="57" idx="0"/>
           </p:cNvCxnSpPr>
           <p:nvPr/>
         </p:nvCxnSpPr>
         <p:spPr>
-          <a:xfrm flipH="1">
-            <a:off x="2003798" y="2638780"/>
-            <a:ext cx="2325" cy="145693"/>
+          <a:xfrm>
+            <a:off x="2001470" y="2479464"/>
+            <a:ext cx="0" cy="344974"/>
           </a:xfrm>
           <a:prstGeom prst="straightConnector1">
             <a:avLst/>
@@ -8691,14 +8454,14 @@
           </p:cNvPr>
           <p:cNvCxnSpPr>
             <a:cxnSpLocks/>
-            <a:stCxn id="10" idx="2"/>
+            <a:stCxn id="59" idx="2"/>
           </p:cNvCxnSpPr>
           <p:nvPr/>
         </p:nvCxnSpPr>
         <p:spPr>
-          <a:xfrm flipH="1">
-            <a:off x="2003798" y="4372346"/>
-            <a:ext cx="275" cy="206969"/>
+          <a:xfrm>
+            <a:off x="2001470" y="4160240"/>
+            <a:ext cx="2329" cy="419075"/>
           </a:xfrm>
           <a:prstGeom prst="straightConnector1">
             <a:avLst/>
@@ -8739,14 +8502,14 @@
           </p:cNvPr>
           <p:cNvCxnSpPr>
             <a:cxnSpLocks/>
-            <a:stCxn id="15" idx="2"/>
+            <a:stCxn id="78" idx="2"/>
           </p:cNvCxnSpPr>
           <p:nvPr/>
         </p:nvCxnSpPr>
         <p:spPr>
           <a:xfrm>
-            <a:off x="5328721" y="4376698"/>
-            <a:ext cx="0" cy="202617"/>
+            <a:off x="5328197" y="4160239"/>
+            <a:ext cx="524" cy="419076"/>
           </a:xfrm>
           <a:prstGeom prst="straightConnector1">
             <a:avLst/>
@@ -8776,114 +8539,6 @@
           </a:fontRef>
         </p:style>
       </p:cxnSp>
-      <p:sp>
-        <p:nvSpPr>
-          <p:cNvPr id="36" name="Rectangle: Rounded Corners 35">
-            <a:extLst>
-              <a:ext uri="{FF2B5EF4-FFF2-40B4-BE49-F238E27FC236}">
-                <a16:creationId xmlns:a16="http://schemas.microsoft.com/office/drawing/2014/main" id="{872C8C25-4D8C-476F-A2A4-1FCF4FA4D61B}"/>
-              </a:ext>
-            </a:extLst>
-          </p:cNvPr>
-          <p:cNvSpPr/>
-          <p:nvPr/>
-        </p:nvSpPr>
-        <p:spPr>
-          <a:xfrm>
-            <a:off x="7197142" y="2123577"/>
-            <a:ext cx="2874833" cy="515203"/>
-          </a:xfrm>
-          <a:prstGeom prst="roundRect">
-            <a:avLst/>
-          </a:prstGeom>
-          <a:ln w="12700">
-            <a:noFill/>
-          </a:ln>
-        </p:spPr>
-        <p:style>
-          <a:lnRef idx="2">
-            <a:schemeClr val="accent3"/>
-          </a:lnRef>
-          <a:fillRef idx="1">
-            <a:schemeClr val="lt1"/>
-          </a:fillRef>
-          <a:effectRef idx="0">
-            <a:schemeClr val="accent3"/>
-          </a:effectRef>
-          <a:fontRef idx="minor">
-            <a:schemeClr val="dk1"/>
-          </a:fontRef>
-        </p:style>
-        <p:txBody>
-          <a:bodyPr rtlCol="0" anchor="ctr"/>
-          <a:lstStyle/>
-          <a:p>
-            <a:pPr algn="ctr"/>
-            <a:r>
-              <a:rPr lang="en-US" sz="1400" dirty="0">
-                <a:latin typeface="Source Sans Pro Light" panose="020B0403030403020204" pitchFamily="34" charset="0"/>
-                <a:ea typeface="Source Sans Pro Light" panose="020B0403030403020204" pitchFamily="34" charset="0"/>
-              </a:rPr>
-              <a:t>Uninstalls the Feature</a:t>
-            </a:r>
-          </a:p>
-        </p:txBody>
-      </p:sp>
-      <p:sp>
-        <p:nvSpPr>
-          <p:cNvPr id="38" name="Rectangle: Rounded Corners 37">
-            <a:extLst>
-              <a:ext uri="{FF2B5EF4-FFF2-40B4-BE49-F238E27FC236}">
-                <a16:creationId xmlns:a16="http://schemas.microsoft.com/office/drawing/2014/main" id="{C118E130-D44F-4B92-A441-ACE77C3FB6C1}"/>
-              </a:ext>
-            </a:extLst>
-          </p:cNvPr>
-          <p:cNvSpPr/>
-          <p:nvPr/>
-        </p:nvSpPr>
-        <p:spPr>
-          <a:xfrm>
-            <a:off x="7188710" y="3659052"/>
-            <a:ext cx="2883261" cy="730423"/>
-          </a:xfrm>
-          <a:prstGeom prst="roundRect">
-            <a:avLst/>
-          </a:prstGeom>
-          <a:ln w="12700">
-            <a:solidFill>
-              <a:schemeClr val="tx2"/>
-            </a:solidFill>
-          </a:ln>
-        </p:spPr>
-        <p:style>
-          <a:lnRef idx="2">
-            <a:schemeClr val="accent3"/>
-          </a:lnRef>
-          <a:fillRef idx="1">
-            <a:schemeClr val="lt1"/>
-          </a:fillRef>
-          <a:effectRef idx="0">
-            <a:schemeClr val="accent3"/>
-          </a:effectRef>
-          <a:fontRef idx="minor">
-            <a:schemeClr val="dk1"/>
-          </a:fontRef>
-        </p:style>
-        <p:txBody>
-          <a:bodyPr rtlCol="0" anchor="ctr"/>
-          <a:lstStyle/>
-          <a:p>
-            <a:pPr algn="ctr"/>
-            <a:r>
-              <a:rPr lang="en-US" sz="1400" dirty="0">
-                <a:latin typeface="Source Sans Pro Light" panose="020B0403030403020204" pitchFamily="34" charset="0"/>
-                <a:ea typeface="Source Sans Pro Light" panose="020B0403030403020204" pitchFamily="34" charset="0"/>
-              </a:rPr>
-              <a:t>Removes cached permissions from the map if it exists</a:t>
-            </a:r>
-          </a:p>
-        </p:txBody>
-      </p:sp>
       <p:sp>
         <p:nvSpPr>
           <p:cNvPr id="39" name="Rectangle: Rounded Corners 38">
@@ -8995,15 +8650,15 @@
           </p:cNvPr>
           <p:cNvCxnSpPr>
             <a:cxnSpLocks/>
-            <a:stCxn id="3" idx="0"/>
-            <a:endCxn id="36" idx="2"/>
+            <a:stCxn id="70" idx="0"/>
+            <a:endCxn id="62" idx="2"/>
           </p:cNvCxnSpPr>
           <p:nvPr/>
         </p:nvCxnSpPr>
         <p:spPr>
           <a:xfrm flipV="1">
-            <a:off x="8634556" y="2638780"/>
-            <a:ext cx="3" cy="159530"/>
+            <a:off x="8634231" y="2479464"/>
+            <a:ext cx="3867" cy="394712"/>
           </a:xfrm>
           <a:prstGeom prst="straightConnector1">
             <a:avLst/>
@@ -9042,14 +8697,14 @@
           </p:cNvPr>
           <p:cNvCxnSpPr>
             <a:cxnSpLocks/>
-            <a:stCxn id="38" idx="2"/>
+            <a:stCxn id="74" idx="2"/>
           </p:cNvCxnSpPr>
           <p:nvPr/>
         </p:nvCxnSpPr>
         <p:spPr>
-          <a:xfrm flipH="1">
-            <a:off x="8630340" y="4389475"/>
-            <a:ext cx="1" cy="189840"/>
+          <a:xfrm>
+            <a:off x="8634231" y="4219928"/>
+            <a:ext cx="0" cy="388896"/>
           </a:xfrm>
           <a:prstGeom prst="straightConnector1">
             <a:avLst/>
@@ -9090,15 +8745,15 @@
           </p:cNvPr>
           <p:cNvCxnSpPr>
             <a:cxnSpLocks/>
-            <a:stCxn id="3" idx="2"/>
-            <a:endCxn id="38" idx="0"/>
+            <a:stCxn id="70" idx="2"/>
+            <a:endCxn id="74" idx="0"/>
           </p:cNvCxnSpPr>
           <p:nvPr/>
         </p:nvCxnSpPr>
         <p:spPr>
-          <a:xfrm flipH="1">
-            <a:off x="8630341" y="3282726"/>
-            <a:ext cx="4215" cy="376326"/>
+          <a:xfrm>
+            <a:off x="8634231" y="3089620"/>
+            <a:ext cx="0" cy="699421"/>
           </a:xfrm>
           <a:prstGeom prst="straightConnector1">
             <a:avLst/>
@@ -9128,98 +8783,6 @@
           </a:fontRef>
         </p:style>
       </p:cxnSp>
-      <p:sp>
-        <p:nvSpPr>
-          <p:cNvPr id="3" name="Rectangle: Rounded Corners 2">
-            <a:extLst>
-              <a:ext uri="{FF2B5EF4-FFF2-40B4-BE49-F238E27FC236}">
-                <a16:creationId xmlns:a16="http://schemas.microsoft.com/office/drawing/2014/main" id="{586E2B17-4EBE-8D7C-0142-89D5D5F40ECC}"/>
-              </a:ext>
-            </a:extLst>
-          </p:cNvPr>
-          <p:cNvSpPr/>
-          <p:nvPr/>
-        </p:nvSpPr>
-        <p:spPr>
-          <a:xfrm>
-            <a:off x="7197139" y="2798310"/>
-            <a:ext cx="2874833" cy="484416"/>
-          </a:xfrm>
-          <a:prstGeom prst="roundRect">
-            <a:avLst/>
-          </a:prstGeom>
-          <a:ln w="12700">
-            <a:noFill/>
-          </a:ln>
-        </p:spPr>
-        <p:style>
-          <a:lnRef idx="2">
-            <a:schemeClr val="accent3"/>
-          </a:lnRef>
-          <a:fillRef idx="1">
-            <a:schemeClr val="lt1"/>
-          </a:fillRef>
-          <a:effectRef idx="0">
-            <a:schemeClr val="accent3"/>
-          </a:effectRef>
-          <a:fontRef idx="minor">
-            <a:schemeClr val="dk1"/>
-          </a:fontRef>
-        </p:style>
-        <p:txBody>
-          <a:bodyPr rtlCol="0" anchor="ctr"/>
-          <a:lstStyle/>
-          <a:p>
-            <a:pPr algn="ctr"/>
-            <a:r>
-              <a:rPr lang="fr-FR" sz="1400" dirty="0" err="1">
-                <a:latin typeface="Source Sans Pro Light" panose="020B0403030403020204" pitchFamily="34" charset="0"/>
-                <a:ea typeface="Source Sans Pro Light" panose="020B0403030403020204" pitchFamily="34" charset="0"/>
-              </a:rPr>
-              <a:t>Feature.uninstall</a:t>
-            </a:r>
-            <a:r>
-              <a:rPr lang="fr-FR" sz="1400" dirty="0">
-                <a:latin typeface="Source Sans Pro Light" panose="020B0403030403020204" pitchFamily="34" charset="0"/>
-                <a:ea typeface="Source Sans Pro Light" panose="020B0403030403020204" pitchFamily="34" charset="0"/>
-              </a:rPr>
-              <a:t>() </a:t>
-            </a:r>
-            <a:r>
-              <a:rPr lang="fr-FR" sz="1400" dirty="0" err="1">
-                <a:latin typeface="Source Sans Pro Light" panose="020B0403030403020204" pitchFamily="34" charset="0"/>
-                <a:ea typeface="Source Sans Pro Light" panose="020B0403030403020204" pitchFamily="34" charset="0"/>
-              </a:rPr>
-              <a:t>is</a:t>
-            </a:r>
-            <a:r>
-              <a:rPr lang="fr-FR" sz="1400" dirty="0">
-                <a:latin typeface="Source Sans Pro Light" panose="020B0403030403020204" pitchFamily="34" charset="0"/>
-                <a:ea typeface="Source Sans Pro Light" panose="020B0403030403020204" pitchFamily="34" charset="0"/>
-              </a:rPr>
-              <a:t> </a:t>
-            </a:r>
-            <a:r>
-              <a:rPr lang="fr-FR" sz="1400" dirty="0" err="1">
-                <a:latin typeface="Source Sans Pro Light" panose="020B0403030403020204" pitchFamily="34" charset="0"/>
-                <a:ea typeface="Source Sans Pro Light" panose="020B0403030403020204" pitchFamily="34" charset="0"/>
-              </a:rPr>
-              <a:t>called</a:t>
-            </a:r>
-            <a:r>
-              <a:rPr lang="fr-FR" sz="1400" dirty="0">
-                <a:latin typeface="Source Sans Pro Light" panose="020B0403030403020204" pitchFamily="34" charset="0"/>
-                <a:ea typeface="Source Sans Pro Light" panose="020B0403030403020204" pitchFamily="34" charset="0"/>
-              </a:rPr>
-              <a:t> </a:t>
-            </a:r>
-            <a:endParaRPr lang="en-US" sz="1400" dirty="0">
-              <a:latin typeface="Source Sans Pro Light" panose="020B0403030403020204" pitchFamily="34" charset="0"/>
-              <a:ea typeface="Source Sans Pro Light" panose="020B0403030403020204" pitchFamily="34" charset="0"/>
-            </a:endParaRPr>
-          </a:p>
-        </p:txBody>
-      </p:sp>
       <p:cxnSp>
         <p:nvCxnSpPr>
           <p:cNvPr id="22" name="Straight Arrow Connector 21">
@@ -9231,15 +8794,15 @@
           </p:cNvPr>
           <p:cNvCxnSpPr>
             <a:cxnSpLocks/>
-            <a:stCxn id="36" idx="0"/>
+            <a:stCxn id="62" idx="0"/>
             <a:endCxn id="39" idx="2"/>
           </p:cNvCxnSpPr>
           <p:nvPr/>
         </p:nvCxnSpPr>
         <p:spPr>
           <a:xfrm flipV="1">
-            <a:off x="8634559" y="1779153"/>
-            <a:ext cx="5148" cy="344424"/>
+            <a:off x="8638098" y="1779153"/>
+            <a:ext cx="1609" cy="484867"/>
           </a:xfrm>
           <a:prstGeom prst="straightConnector1">
             <a:avLst/>
@@ -9485,6 +9048,452 @@
               </a:rPr>
               <a:t>Kernel Security Policy Manager</a:t>
             </a:r>
+          </a:p>
+        </p:txBody>
+      </p:sp>
+      <p:sp>
+        <p:nvSpPr>
+          <p:cNvPr id="48" name="TextBox 47">
+            <a:extLst>
+              <a:ext uri="{FF2B5EF4-FFF2-40B4-BE49-F238E27FC236}">
+                <a16:creationId xmlns:a16="http://schemas.microsoft.com/office/drawing/2014/main" id="{E1B3016F-423B-4567-98CA-2D479E254175}"/>
+              </a:ext>
+            </a:extLst>
+          </p:cNvPr>
+          <p:cNvSpPr txBox="1"/>
+          <p:nvPr/>
+        </p:nvSpPr>
+        <p:spPr>
+          <a:xfrm>
+            <a:off x="567614" y="2264020"/>
+            <a:ext cx="2867712" cy="215444"/>
+          </a:xfrm>
+          <a:prstGeom prst="rect">
+            <a:avLst/>
+          </a:prstGeom>
+          <a:noFill/>
+        </p:spPr>
+        <p:txBody>
+          <a:bodyPr vert="horz" wrap="square" lIns="0" tIns="0" rIns="0" bIns="0" numCol="1" spcCol="288000" rtlCol="0" anchor="t" anchorCtr="0">
+            <a:spAutoFit/>
+          </a:bodyPr>
+          <a:lstStyle/>
+          <a:p>
+            <a:pPr algn="ctr">
+              <a:spcBef>
+                <a:spcPts val="0"/>
+              </a:spcBef>
+              <a:spcAft>
+                <a:spcPts val="600"/>
+              </a:spcAft>
+            </a:pPr>
+            <a:r>
+              <a:rPr lang="en-GB" sz="1400" dirty="0">
+                <a:solidFill>
+                  <a:schemeClr val="tx2"/>
+                </a:solidFill>
+                <a:latin typeface="Source Sans Pro Light" charset="0"/>
+                <a:ea typeface="Source Sans Pro Light" charset="0"/>
+                <a:cs typeface="Source Sans Pro Light" charset="0"/>
+              </a:rPr>
+              <a:t>Installs the Feature</a:t>
+            </a:r>
+            <a:endParaRPr lang="en-GB" sz="1400" b="0" i="0" spc="0" dirty="0">
+              <a:ln>
+                <a:noFill/>
+              </a:ln>
+              <a:solidFill>
+                <a:schemeClr val="tx2"/>
+              </a:solidFill>
+              <a:latin typeface="Source Sans Pro Light" charset="0"/>
+              <a:ea typeface="Source Sans Pro Light" charset="0"/>
+              <a:cs typeface="Source Sans Pro Light" charset="0"/>
+            </a:endParaRPr>
+          </a:p>
+        </p:txBody>
+      </p:sp>
+      <p:sp>
+        <p:nvSpPr>
+          <p:cNvPr id="57" name="TextBox 56">
+            <a:extLst>
+              <a:ext uri="{FF2B5EF4-FFF2-40B4-BE49-F238E27FC236}">
+                <a16:creationId xmlns:a16="http://schemas.microsoft.com/office/drawing/2014/main" id="{D51929A3-6FDF-43A7-8AAD-DF12596DB153}"/>
+              </a:ext>
+            </a:extLst>
+          </p:cNvPr>
+          <p:cNvSpPr txBox="1"/>
+          <p:nvPr/>
+        </p:nvSpPr>
+        <p:spPr>
+          <a:xfrm>
+            <a:off x="567614" y="2824438"/>
+            <a:ext cx="2867712" cy="430887"/>
+          </a:xfrm>
+          <a:prstGeom prst="rect">
+            <a:avLst/>
+          </a:prstGeom>
+          <a:noFill/>
+        </p:spPr>
+        <p:txBody>
+          <a:bodyPr vert="horz" wrap="square" lIns="0" tIns="0" rIns="0" bIns="0" numCol="1" spcCol="288000" rtlCol="0" anchor="t" anchorCtr="0">
+            <a:spAutoFit/>
+          </a:bodyPr>
+          <a:lstStyle/>
+          <a:p>
+            <a:pPr algn="ctr">
+              <a:spcBef>
+                <a:spcPts val="0"/>
+              </a:spcBef>
+              <a:spcAft>
+                <a:spcPts val="600"/>
+              </a:spcAft>
+            </a:pPr>
+            <a:r>
+              <a:rPr lang="en-GB" sz="1400" dirty="0">
+                <a:solidFill>
+                  <a:schemeClr val="tx2"/>
+                </a:solidFill>
+                <a:latin typeface="Source Sans Pro Light" charset="0"/>
+                <a:ea typeface="Source Sans Pro Light" charset="0"/>
+                <a:cs typeface="Source Sans Pro Light" charset="0"/>
+              </a:rPr>
+              <a:t>Reads permission file from the </a:t>
+            </a:r>
+            <a:r>
+              <a:rPr lang="en-GB" sz="1400" dirty="0" err="1">
+                <a:solidFill>
+                  <a:schemeClr val="tx2"/>
+                </a:solidFill>
+                <a:latin typeface="Source Sans Pro Light" charset="0"/>
+                <a:ea typeface="Source Sans Pro Light" charset="0"/>
+                <a:cs typeface="Source Sans Pro Light" charset="0"/>
+              </a:rPr>
+              <a:t>Feture</a:t>
+            </a:r>
+            <a:r>
+              <a:rPr lang="en-GB" sz="1400" dirty="0">
+                <a:solidFill>
+                  <a:schemeClr val="tx2"/>
+                </a:solidFill>
+                <a:latin typeface="Source Sans Pro Light" charset="0"/>
+                <a:ea typeface="Source Sans Pro Light" charset="0"/>
+                <a:cs typeface="Source Sans Pro Light" charset="0"/>
+              </a:rPr>
+              <a:t> resources</a:t>
+            </a:r>
+            <a:endParaRPr lang="en-GB" sz="1400" b="0" i="0" spc="0" dirty="0">
+              <a:ln>
+                <a:noFill/>
+              </a:ln>
+              <a:solidFill>
+                <a:schemeClr val="tx2"/>
+              </a:solidFill>
+              <a:latin typeface="Source Sans Pro Light" charset="0"/>
+              <a:ea typeface="Source Sans Pro Light" charset="0"/>
+              <a:cs typeface="Source Sans Pro Light" charset="0"/>
+            </a:endParaRPr>
+          </a:p>
+        </p:txBody>
+      </p:sp>
+      <p:sp>
+        <p:nvSpPr>
+          <p:cNvPr id="59" name="TextBox 58">
+            <a:extLst>
+              <a:ext uri="{FF2B5EF4-FFF2-40B4-BE49-F238E27FC236}">
+                <a16:creationId xmlns:a16="http://schemas.microsoft.com/office/drawing/2014/main" id="{8993DF7B-6C6C-48E6-BA39-8AA92AE56D0B}"/>
+              </a:ext>
+            </a:extLst>
+          </p:cNvPr>
+          <p:cNvSpPr txBox="1"/>
+          <p:nvPr/>
+        </p:nvSpPr>
+        <p:spPr>
+          <a:xfrm>
+            <a:off x="567614" y="3729353"/>
+            <a:ext cx="2867712" cy="430887"/>
+          </a:xfrm>
+          <a:prstGeom prst="rect">
+            <a:avLst/>
+          </a:prstGeom>
+          <a:noFill/>
+        </p:spPr>
+        <p:txBody>
+          <a:bodyPr vert="horz" wrap="square" lIns="0" tIns="0" rIns="0" bIns="0" numCol="1" spcCol="288000" rtlCol="0" anchor="t" anchorCtr="0">
+            <a:spAutoFit/>
+          </a:bodyPr>
+          <a:lstStyle/>
+          <a:p>
+            <a:pPr algn="ctr">
+              <a:spcBef>
+                <a:spcPts val="0"/>
+              </a:spcBef>
+              <a:spcAft>
+                <a:spcPts val="600"/>
+              </a:spcAft>
+            </a:pPr>
+            <a:r>
+              <a:rPr lang="en-GB" sz="1400" dirty="0">
+                <a:solidFill>
+                  <a:schemeClr val="tx2"/>
+                </a:solidFill>
+                <a:latin typeface="Source Sans Pro Light" charset="0"/>
+                <a:ea typeface="Source Sans Pro Light" charset="0"/>
+                <a:cs typeface="Source Sans Pro Light" charset="0"/>
+              </a:rPr>
+              <a:t>Parses permissions and add them to the authorized map</a:t>
+            </a:r>
+          </a:p>
+        </p:txBody>
+      </p:sp>
+      <p:sp>
+        <p:nvSpPr>
+          <p:cNvPr id="62" name="TextBox 61">
+            <a:extLst>
+              <a:ext uri="{FF2B5EF4-FFF2-40B4-BE49-F238E27FC236}">
+                <a16:creationId xmlns:a16="http://schemas.microsoft.com/office/drawing/2014/main" id="{1727AA9D-E3EB-430D-AA94-E51CEA757ECE}"/>
+              </a:ext>
+            </a:extLst>
+          </p:cNvPr>
+          <p:cNvSpPr txBox="1"/>
+          <p:nvPr/>
+        </p:nvSpPr>
+        <p:spPr>
+          <a:xfrm>
+            <a:off x="7200352" y="2264020"/>
+            <a:ext cx="2875492" cy="215444"/>
+          </a:xfrm>
+          <a:prstGeom prst="rect">
+            <a:avLst/>
+          </a:prstGeom>
+          <a:noFill/>
+        </p:spPr>
+        <p:txBody>
+          <a:bodyPr vert="horz" wrap="square" lIns="0" tIns="0" rIns="0" bIns="0" numCol="1" spcCol="288000" rtlCol="0" anchor="t" anchorCtr="0">
+            <a:spAutoFit/>
+          </a:bodyPr>
+          <a:lstStyle/>
+          <a:p>
+            <a:pPr algn="ctr">
+              <a:spcBef>
+                <a:spcPts val="0"/>
+              </a:spcBef>
+              <a:spcAft>
+                <a:spcPts val="600"/>
+              </a:spcAft>
+            </a:pPr>
+            <a:r>
+              <a:rPr lang="en-GB" sz="1400" dirty="0">
+                <a:solidFill>
+                  <a:schemeClr val="tx2"/>
+                </a:solidFill>
+                <a:latin typeface="Source Sans Pro Light" charset="0"/>
+                <a:ea typeface="Source Sans Pro Light" charset="0"/>
+                <a:cs typeface="Source Sans Pro Light" charset="0"/>
+              </a:rPr>
+              <a:t>Uninstalls the Feature</a:t>
+            </a:r>
+            <a:endParaRPr lang="en-GB" sz="1400" b="0" i="0" spc="0" dirty="0">
+              <a:ln>
+                <a:noFill/>
+              </a:ln>
+              <a:solidFill>
+                <a:schemeClr val="tx2"/>
+              </a:solidFill>
+              <a:latin typeface="Source Sans Pro Light" charset="0"/>
+              <a:ea typeface="Source Sans Pro Light" charset="0"/>
+              <a:cs typeface="Source Sans Pro Light" charset="0"/>
+            </a:endParaRPr>
+          </a:p>
+        </p:txBody>
+      </p:sp>
+      <p:sp>
+        <p:nvSpPr>
+          <p:cNvPr id="70" name="TextBox 69">
+            <a:extLst>
+              <a:ext uri="{FF2B5EF4-FFF2-40B4-BE49-F238E27FC236}">
+                <a16:creationId xmlns:a16="http://schemas.microsoft.com/office/drawing/2014/main" id="{D6839318-B695-4DC7-B229-8E3682D299E2}"/>
+              </a:ext>
+            </a:extLst>
+          </p:cNvPr>
+          <p:cNvSpPr txBox="1"/>
+          <p:nvPr/>
+        </p:nvSpPr>
+        <p:spPr>
+          <a:xfrm>
+            <a:off x="7196485" y="2874176"/>
+            <a:ext cx="2875492" cy="215444"/>
+          </a:xfrm>
+          <a:prstGeom prst="rect">
+            <a:avLst/>
+          </a:prstGeom>
+          <a:noFill/>
+        </p:spPr>
+        <p:txBody>
+          <a:bodyPr vert="horz" wrap="square" lIns="0" tIns="0" rIns="0" bIns="0" numCol="1" spcCol="288000" rtlCol="0" anchor="t" anchorCtr="0">
+            <a:spAutoFit/>
+          </a:bodyPr>
+          <a:lstStyle/>
+          <a:p>
+            <a:pPr algn="ctr">
+              <a:spcBef>
+                <a:spcPts val="0"/>
+              </a:spcBef>
+              <a:spcAft>
+                <a:spcPts val="600"/>
+              </a:spcAft>
+            </a:pPr>
+            <a:r>
+              <a:rPr lang="en-GB" sz="1400" dirty="0" err="1">
+                <a:solidFill>
+                  <a:schemeClr val="tx2"/>
+                </a:solidFill>
+                <a:latin typeface="Source Sans Pro Light" charset="0"/>
+                <a:ea typeface="Source Sans Pro Light" charset="0"/>
+                <a:cs typeface="Source Sans Pro Light" charset="0"/>
+              </a:rPr>
+              <a:t>Feature.uninstall</a:t>
+            </a:r>
+            <a:r>
+              <a:rPr lang="en-GB" sz="1400" dirty="0">
+                <a:solidFill>
+                  <a:schemeClr val="tx2"/>
+                </a:solidFill>
+                <a:latin typeface="Source Sans Pro Light" charset="0"/>
+                <a:ea typeface="Source Sans Pro Light" charset="0"/>
+                <a:cs typeface="Source Sans Pro Light" charset="0"/>
+              </a:rPr>
+              <a:t>() is called </a:t>
+            </a:r>
+            <a:endParaRPr lang="en-GB" sz="1400" b="0" i="0" spc="0" dirty="0">
+              <a:ln>
+                <a:noFill/>
+              </a:ln>
+              <a:solidFill>
+                <a:schemeClr val="tx2"/>
+              </a:solidFill>
+              <a:latin typeface="Source Sans Pro Light" charset="0"/>
+              <a:ea typeface="Source Sans Pro Light" charset="0"/>
+              <a:cs typeface="Source Sans Pro Light" charset="0"/>
+            </a:endParaRPr>
+          </a:p>
+        </p:txBody>
+      </p:sp>
+      <p:sp>
+        <p:nvSpPr>
+          <p:cNvPr id="74" name="TextBox 73">
+            <a:extLst>
+              <a:ext uri="{FF2B5EF4-FFF2-40B4-BE49-F238E27FC236}">
+                <a16:creationId xmlns:a16="http://schemas.microsoft.com/office/drawing/2014/main" id="{9C471173-ACDB-4019-A19B-6ED79DEED2FD}"/>
+              </a:ext>
+            </a:extLst>
+          </p:cNvPr>
+          <p:cNvSpPr txBox="1"/>
+          <p:nvPr/>
+        </p:nvSpPr>
+        <p:spPr>
+          <a:xfrm>
+            <a:off x="7200375" y="3789041"/>
+            <a:ext cx="2867712" cy="430887"/>
+          </a:xfrm>
+          <a:prstGeom prst="rect">
+            <a:avLst/>
+          </a:prstGeom>
+          <a:noFill/>
+        </p:spPr>
+        <p:txBody>
+          <a:bodyPr vert="horz" wrap="square" lIns="0" tIns="0" rIns="0" bIns="0" numCol="1" spcCol="288000" rtlCol="0" anchor="t" anchorCtr="0">
+            <a:spAutoFit/>
+          </a:bodyPr>
+          <a:lstStyle/>
+          <a:p>
+            <a:pPr algn="ctr">
+              <a:spcBef>
+                <a:spcPts val="0"/>
+              </a:spcBef>
+              <a:spcAft>
+                <a:spcPts val="600"/>
+              </a:spcAft>
+            </a:pPr>
+            <a:r>
+              <a:rPr lang="en-GB" sz="1400" dirty="0">
+                <a:solidFill>
+                  <a:schemeClr val="tx2"/>
+                </a:solidFill>
+                <a:latin typeface="Source Sans Pro Light" charset="0"/>
+                <a:ea typeface="Source Sans Pro Light" charset="0"/>
+                <a:cs typeface="Source Sans Pro Light" charset="0"/>
+              </a:rPr>
+              <a:t>Removes cached permissions from the map if it exists</a:t>
+            </a:r>
+          </a:p>
+        </p:txBody>
+      </p:sp>
+      <p:sp>
+        <p:nvSpPr>
+          <p:cNvPr id="78" name="TextBox 77">
+            <a:extLst>
+              <a:ext uri="{FF2B5EF4-FFF2-40B4-BE49-F238E27FC236}">
+                <a16:creationId xmlns:a16="http://schemas.microsoft.com/office/drawing/2014/main" id="{E4FCB521-90AE-47AD-97BB-BE818B2C618E}"/>
+              </a:ext>
+            </a:extLst>
+          </p:cNvPr>
+          <p:cNvSpPr txBox="1"/>
+          <p:nvPr/>
+        </p:nvSpPr>
+        <p:spPr>
+          <a:xfrm>
+            <a:off x="3894341" y="3729352"/>
+            <a:ext cx="2867712" cy="430887"/>
+          </a:xfrm>
+          <a:prstGeom prst="rect">
+            <a:avLst/>
+          </a:prstGeom>
+          <a:noFill/>
+        </p:spPr>
+        <p:txBody>
+          <a:bodyPr vert="horz" wrap="square" lIns="0" tIns="0" rIns="0" bIns="0" numCol="1" spcCol="288000" rtlCol="0" anchor="t" anchorCtr="0">
+            <a:spAutoFit/>
+          </a:bodyPr>
+          <a:lstStyle/>
+          <a:p>
+            <a:pPr algn="ctr">
+              <a:spcBef>
+                <a:spcPts val="0"/>
+              </a:spcBef>
+              <a:spcAft>
+                <a:spcPts val="600"/>
+              </a:spcAft>
+            </a:pPr>
+            <a:r>
+              <a:rPr lang="en-GB" sz="1400" dirty="0">
+                <a:solidFill>
+                  <a:schemeClr val="tx2"/>
+                </a:solidFill>
+                <a:latin typeface="Source Sans Pro Light" charset="0"/>
+                <a:ea typeface="Source Sans Pro Light" charset="0"/>
+                <a:cs typeface="Source Sans Pro Light" charset="0"/>
+              </a:rPr>
+              <a:t>Checks if permission is in the map. If not, throws a </a:t>
+            </a:r>
+            <a:r>
+              <a:rPr lang="en-GB" sz="1400" dirty="0" err="1">
+                <a:solidFill>
+                  <a:schemeClr val="tx2"/>
+                </a:solidFill>
+                <a:latin typeface="Source Sans Pro Light" charset="0"/>
+                <a:ea typeface="Source Sans Pro Light" charset="0"/>
+                <a:cs typeface="Source Sans Pro Light" charset="0"/>
+              </a:rPr>
+              <a:t>SecurityException</a:t>
+            </a:r>
+            <a:endParaRPr lang="en-GB" sz="1400" dirty="0">
+              <a:solidFill>
+                <a:schemeClr val="tx2"/>
+              </a:solidFill>
+              <a:latin typeface="Source Sans Pro Light" charset="0"/>
+              <a:ea typeface="Source Sans Pro Light" charset="0"/>
+              <a:cs typeface="Source Sans Pro Light" charset="0"/>
+            </a:endParaRPr>
           </a:p>
         </p:txBody>
       </p:sp>

--- a/KernelDeveloperGuide/pptx/KernelSecurityPolicyManagerFlow.pptx
+++ b/KernelDeveloperGuide/pptx/KernelSecurityPolicyManagerFlow.pptx
@@ -9096,7 +9096,7 @@
                 <a:ea typeface="Source Sans Pro Light" charset="0"/>
                 <a:cs typeface="Source Sans Pro Light" charset="0"/>
               </a:rPr>
-              <a:t>Installs the Feature</a:t>
+              <a:t>Install the Feature</a:t>
             </a:r>
             <a:endParaRPr lang="en-GB" sz="1400" b="0" i="0" spc="0" dirty="0">
               <a:ln>
@@ -9157,7 +9157,7 @@
                 <a:ea typeface="Source Sans Pro Light" charset="0"/>
                 <a:cs typeface="Source Sans Pro Light" charset="0"/>
               </a:rPr>
-              <a:t>Reads permission file from the </a:t>
+              <a:t>Read permission file from the </a:t>
             </a:r>
             <a:r>
               <a:rPr lang="en-GB" sz="1400" dirty="0" err="1">
@@ -9240,7 +9240,7 @@
                 <a:ea typeface="Source Sans Pro Light" charset="0"/>
                 <a:cs typeface="Source Sans Pro Light" charset="0"/>
               </a:rPr>
-              <a:t>Parses permissions and add them to the authorized map</a:t>
+              <a:t>Parse permissions and add them to the authorized map</a:t>
             </a:r>
           </a:p>
         </p:txBody>
@@ -9282,6 +9282,17 @@
               </a:spcAft>
             </a:pPr>
             <a:r>
+              <a:rPr lang="en-GB" sz="1400">
+                <a:solidFill>
+                  <a:schemeClr val="tx2"/>
+                </a:solidFill>
+                <a:latin typeface="Source Sans Pro Light" charset="0"/>
+                <a:ea typeface="Source Sans Pro Light" charset="0"/>
+                <a:cs typeface="Source Sans Pro Light" charset="0"/>
+              </a:rPr>
+              <a:t>Uninstall </a:t>
+            </a:r>
+            <a:r>
               <a:rPr lang="en-GB" sz="1400" dirty="0">
                 <a:solidFill>
                   <a:schemeClr val="tx2"/>
@@ -9290,7 +9301,7 @@
                 <a:ea typeface="Source Sans Pro Light" charset="0"/>
                 <a:cs typeface="Source Sans Pro Light" charset="0"/>
               </a:rPr>
-              <a:t>Uninstalls the Feature</a:t>
+              <a:t>the Feature</a:t>
             </a:r>
             <a:endParaRPr lang="en-GB" sz="1400" b="0" i="0" spc="0" dirty="0">
               <a:ln>
@@ -9423,7 +9434,7 @@
                 <a:ea typeface="Source Sans Pro Light" charset="0"/>
                 <a:cs typeface="Source Sans Pro Light" charset="0"/>
               </a:rPr>
-              <a:t>Removes cached permissions from the map if it exists</a:t>
+              <a:t>Remove cached permissions from the map if it exists</a:t>
             </a:r>
           </a:p>
         </p:txBody>
@@ -9473,7 +9484,7 @@
                 <a:ea typeface="Source Sans Pro Light" charset="0"/>
                 <a:cs typeface="Source Sans Pro Light" charset="0"/>
               </a:rPr>
-              <a:t>Checks if permission is in the map. If not, throws a </a:t>
+              <a:t>Check if permission is in the map. If not, throws a </a:t>
             </a:r>
             <a:r>
               <a:rPr lang="en-GB" sz="1400" dirty="0" err="1">

--- a/KernelDeveloperGuide/pptx/KernelSecurityPolicyManagerFlow.pptx
+++ b/KernelDeveloperGuide/pptx/KernelSecurityPolicyManagerFlow.pptx
@@ -11,7 +11,7 @@
     <p:handoutMasterId r:id="rId4"/>
   </p:handoutMasterIdLst>
   <p:sldIdLst>
-    <p:sldId id="300" r:id="rId2"/>
+    <p:sldId id="302" r:id="rId2"/>
   </p:sldIdLst>
   <p:sldSz cx="12192000" cy="6858000"/>
   <p:notesSz cx="6858000" cy="9144000"/>
@@ -4954,7 +4954,7 @@
           <a:p>
             <a:fld id="{025BB511-135A-4023-9BA9-4F1E5285ED4F}" type="datetimeFigureOut">
               <a:rPr lang="en-US" smtClean="0"/>
-              <a:t>4/24/2024</a:t>
+              <a:t>4/29/2024</a:t>
             </a:fld>
             <a:endParaRPr lang="en-US"/>
           </a:p>
@@ -5152,7 +5152,7 @@
           <a:p>
             <a:fld id="{025BB511-135A-4023-9BA9-4F1E5285ED4F}" type="datetimeFigureOut">
               <a:rPr lang="en-US" smtClean="0"/>
-              <a:t>4/24/2024</a:t>
+              <a:t>4/29/2024</a:t>
             </a:fld>
             <a:endParaRPr lang="en-US"/>
           </a:p>
@@ -7690,10 +7690,10 @@
       </p:grpSpPr>
       <p:sp>
         <p:nvSpPr>
-          <p:cNvPr id="4" name="Rectangle: Rounded Corners 3">
+          <p:cNvPr id="2" name="Rectangle: Rounded Corners 1">
             <a:extLst>
               <a:ext uri="{FF2B5EF4-FFF2-40B4-BE49-F238E27FC236}">
-                <a16:creationId xmlns:a16="http://schemas.microsoft.com/office/drawing/2014/main" id="{149F3404-1CB9-DDD7-68EF-B74EC0BDB534}"/>
+                <a16:creationId xmlns:a16="http://schemas.microsoft.com/office/drawing/2014/main" id="{4DCBE138-CF94-42A4-9037-3A0A7D3EC6CF}"/>
               </a:ext>
             </a:extLst>
           </p:cNvPr>
@@ -7702,54 +7702,61 @@
         </p:nvSpPr>
         <p:spPr>
           <a:xfrm>
-            <a:off x="140710" y="1988820"/>
-            <a:ext cx="11935448" cy="3604260"/>
+            <a:off x="5933983" y="452761"/>
+            <a:ext cx="2139518" cy="479394"/>
           </a:xfrm>
           <a:prstGeom prst="roundRect">
-            <a:avLst>
-              <a:gd name="adj" fmla="val 9667"/>
-            </a:avLst>
+            <a:avLst/>
           </a:prstGeom>
           <a:solidFill>
-            <a:schemeClr val="bg2"/>
+            <a:schemeClr val="bg1"/>
           </a:solidFill>
           <a:ln w="12700">
-            <a:noFill/>
-            <a:prstDash val="solid"/>
+            <a:solidFill>
+              <a:schemeClr val="accent1"/>
+            </a:solidFill>
           </a:ln>
         </p:spPr>
         <p:style>
           <a:lnRef idx="2">
-            <a:schemeClr val="accent2"/>
+            <a:schemeClr val="accent1">
+              <a:shade val="50000"/>
+            </a:schemeClr>
           </a:lnRef>
           <a:fillRef idx="1">
-            <a:schemeClr val="lt1"/>
+            <a:schemeClr val="accent1"/>
           </a:fillRef>
           <a:effectRef idx="0">
-            <a:schemeClr val="accent2"/>
+            <a:schemeClr val="accent1"/>
           </a:effectRef>
           <a:fontRef idx="minor">
-            <a:schemeClr val="dk1"/>
+            <a:schemeClr val="lt1"/>
           </a:fontRef>
         </p:style>
         <p:txBody>
           <a:bodyPr rtlCol="0" anchor="ctr"/>
           <a:lstStyle/>
           <a:p>
-            <a:pPr algn="r"/>
-            <a:endParaRPr lang="en-US" sz="1400" dirty="0">
-              <a:latin typeface="Source Sans Pro Light" panose="020B0403030403020204" pitchFamily="34" charset="0"/>
-              <a:ea typeface="Source Sans Pro Light" panose="020B0403030403020204" pitchFamily="34" charset="0"/>
-            </a:endParaRPr>
+            <a:pPr algn="ctr"/>
+            <a:r>
+              <a:rPr lang="en-GB" sz="1400" dirty="0">
+                <a:solidFill>
+                  <a:schemeClr val="tx2"/>
+                </a:solidFill>
+                <a:latin typeface="Source Sans Pro Light" panose="020B0403030403020204" pitchFamily="34" charset="77"/>
+                <a:ea typeface="Source Sans Pro" panose="020B0503030403020204" pitchFamily="34" charset="0"/>
+              </a:rPr>
+              <a:t>Security Manager</a:t>
+            </a:r>
           </a:p>
         </p:txBody>
       </p:sp>
       <p:sp>
         <p:nvSpPr>
-          <p:cNvPr id="11" name="Rectangle: Rounded Corners 10">
+          <p:cNvPr id="3" name="Rectangle: Rounded Corners 2">
             <a:extLst>
               <a:ext uri="{FF2B5EF4-FFF2-40B4-BE49-F238E27FC236}">
-                <a16:creationId xmlns:a16="http://schemas.microsoft.com/office/drawing/2014/main" id="{11052670-EE04-3E52-061B-E7359467CF91}"/>
+                <a16:creationId xmlns:a16="http://schemas.microsoft.com/office/drawing/2014/main" id="{1B725E04-1DD4-4B1B-8E2A-760EE1C0A0EE}"/>
               </a:ext>
             </a:extLst>
           </p:cNvPr>
@@ -7758,13 +7765,295 @@
         </p:nvSpPr>
         <p:spPr>
           <a:xfrm>
-            <a:off x="352984" y="3429654"/>
-            <a:ext cx="11510900" cy="1951197"/>
+            <a:off x="8608380" y="452761"/>
+            <a:ext cx="2139518" cy="479394"/>
           </a:xfrm>
           <a:prstGeom prst="roundRect">
-            <a:avLst>
-              <a:gd name="adj" fmla="val 12042"/>
-            </a:avLst>
+            <a:avLst/>
+          </a:prstGeom>
+          <a:solidFill>
+            <a:schemeClr val="bg1"/>
+          </a:solidFill>
+          <a:ln w="12700">
+            <a:solidFill>
+              <a:schemeClr val="accent1"/>
+            </a:solidFill>
+          </a:ln>
+        </p:spPr>
+        <p:style>
+          <a:lnRef idx="2">
+            <a:schemeClr val="accent1">
+              <a:shade val="50000"/>
+            </a:schemeClr>
+          </a:lnRef>
+          <a:fillRef idx="1">
+            <a:schemeClr val="accent1"/>
+          </a:fillRef>
+          <a:effectRef idx="0">
+            <a:schemeClr val="accent1"/>
+          </a:effectRef>
+          <a:fontRef idx="minor">
+            <a:schemeClr val="lt1"/>
+          </a:fontRef>
+        </p:style>
+        <p:txBody>
+          <a:bodyPr rtlCol="0" anchor="ctr"/>
+          <a:lstStyle/>
+          <a:p>
+            <a:pPr algn="ctr"/>
+            <a:r>
+              <a:rPr lang="en-GB" sz="1400" dirty="0">
+                <a:solidFill>
+                  <a:schemeClr val="tx2"/>
+                </a:solidFill>
+                <a:latin typeface="Source Sans Pro Light" panose="020B0403030403020204" pitchFamily="34" charset="77"/>
+                <a:ea typeface="Source Sans Pro" panose="020B0503030403020204" pitchFamily="34" charset="0"/>
+              </a:rPr>
+              <a:t>Application</a:t>
+            </a:r>
+          </a:p>
+        </p:txBody>
+      </p:sp>
+      <p:sp>
+        <p:nvSpPr>
+          <p:cNvPr id="4" name="Rectangle: Rounded Corners 3">
+            <a:extLst>
+              <a:ext uri="{FF2B5EF4-FFF2-40B4-BE49-F238E27FC236}">
+                <a16:creationId xmlns:a16="http://schemas.microsoft.com/office/drawing/2014/main" id="{F1A12782-34C7-499A-97AC-7A6ED0725D65}"/>
+              </a:ext>
+            </a:extLst>
+          </p:cNvPr>
+          <p:cNvSpPr/>
+          <p:nvPr/>
+        </p:nvSpPr>
+        <p:spPr>
+          <a:xfrm>
+            <a:off x="3259587" y="452761"/>
+            <a:ext cx="2139518" cy="479394"/>
+          </a:xfrm>
+          <a:prstGeom prst="roundRect">
+            <a:avLst/>
+          </a:prstGeom>
+          <a:solidFill>
+            <a:schemeClr val="bg1"/>
+          </a:solidFill>
+          <a:ln w="12700">
+            <a:solidFill>
+              <a:schemeClr val="accent1"/>
+            </a:solidFill>
+          </a:ln>
+        </p:spPr>
+        <p:style>
+          <a:lnRef idx="2">
+            <a:schemeClr val="accent1">
+              <a:shade val="50000"/>
+            </a:schemeClr>
+          </a:lnRef>
+          <a:fillRef idx="1">
+            <a:schemeClr val="accent1"/>
+          </a:fillRef>
+          <a:effectRef idx="0">
+            <a:schemeClr val="accent1"/>
+          </a:effectRef>
+          <a:fontRef idx="minor">
+            <a:schemeClr val="lt1"/>
+          </a:fontRef>
+        </p:style>
+        <p:txBody>
+          <a:bodyPr rtlCol="0" anchor="ctr"/>
+          <a:lstStyle/>
+          <a:p>
+            <a:pPr algn="ctr"/>
+            <a:r>
+              <a:rPr lang="en-GB" sz="1400" dirty="0">
+                <a:solidFill>
+                  <a:schemeClr val="tx2"/>
+                </a:solidFill>
+                <a:latin typeface="Source Sans Pro Light" panose="020B0403030403020204" pitchFamily="34" charset="77"/>
+                <a:ea typeface="Source Sans Pro" panose="020B0503030403020204" pitchFamily="34" charset="0"/>
+              </a:rPr>
+              <a:t>Kernel</a:t>
+            </a:r>
+          </a:p>
+        </p:txBody>
+      </p:sp>
+      <p:cxnSp>
+        <p:nvCxnSpPr>
+          <p:cNvPr id="6" name="Straight Connector 5">
+            <a:extLst>
+              <a:ext uri="{FF2B5EF4-FFF2-40B4-BE49-F238E27FC236}">
+                <a16:creationId xmlns:a16="http://schemas.microsoft.com/office/drawing/2014/main" id="{61E169A9-7FA9-4A1E-BCAB-772B86BAC4BE}"/>
+              </a:ext>
+            </a:extLst>
+          </p:cNvPr>
+          <p:cNvCxnSpPr>
+            <a:stCxn id="4" idx="2"/>
+          </p:cNvCxnSpPr>
+          <p:nvPr/>
+        </p:nvCxnSpPr>
+        <p:spPr>
+          <a:xfrm>
+            <a:off x="4329346" y="932155"/>
+            <a:ext cx="0" cy="5925845"/>
+          </a:xfrm>
+          <a:prstGeom prst="line">
+            <a:avLst/>
+          </a:prstGeom>
+        </p:spPr>
+        <p:style>
+          <a:lnRef idx="1">
+            <a:schemeClr val="accent1"/>
+          </a:lnRef>
+          <a:fillRef idx="0">
+            <a:schemeClr val="accent1"/>
+          </a:fillRef>
+          <a:effectRef idx="0">
+            <a:schemeClr val="accent1"/>
+          </a:effectRef>
+          <a:fontRef idx="minor">
+            <a:schemeClr val="tx1"/>
+          </a:fontRef>
+        </p:style>
+      </p:cxnSp>
+      <p:cxnSp>
+        <p:nvCxnSpPr>
+          <p:cNvPr id="7" name="Straight Connector 6">
+            <a:extLst>
+              <a:ext uri="{FF2B5EF4-FFF2-40B4-BE49-F238E27FC236}">
+                <a16:creationId xmlns:a16="http://schemas.microsoft.com/office/drawing/2014/main" id="{EEF9D87F-63DD-4719-B6EC-F9D383510938}"/>
+              </a:ext>
+            </a:extLst>
+          </p:cNvPr>
+          <p:cNvCxnSpPr>
+            <a:cxnSpLocks/>
+            <a:stCxn id="2" idx="2"/>
+          </p:cNvCxnSpPr>
+          <p:nvPr/>
+        </p:nvCxnSpPr>
+        <p:spPr>
+          <a:xfrm>
+            <a:off x="7003742" y="932155"/>
+            <a:ext cx="0" cy="5925845"/>
+          </a:xfrm>
+          <a:prstGeom prst="line">
+            <a:avLst/>
+          </a:prstGeom>
+        </p:spPr>
+        <p:style>
+          <a:lnRef idx="1">
+            <a:schemeClr val="accent1"/>
+          </a:lnRef>
+          <a:fillRef idx="0">
+            <a:schemeClr val="accent1"/>
+          </a:fillRef>
+          <a:effectRef idx="0">
+            <a:schemeClr val="accent1"/>
+          </a:effectRef>
+          <a:fontRef idx="minor">
+            <a:schemeClr val="tx1"/>
+          </a:fontRef>
+        </p:style>
+      </p:cxnSp>
+      <p:cxnSp>
+        <p:nvCxnSpPr>
+          <p:cNvPr id="10" name="Straight Connector 9">
+            <a:extLst>
+              <a:ext uri="{FF2B5EF4-FFF2-40B4-BE49-F238E27FC236}">
+                <a16:creationId xmlns:a16="http://schemas.microsoft.com/office/drawing/2014/main" id="{A49421B9-9A12-4ECC-9B6E-FD0261D14D7E}"/>
+              </a:ext>
+            </a:extLst>
+          </p:cNvPr>
+          <p:cNvCxnSpPr>
+            <a:cxnSpLocks/>
+            <a:stCxn id="3" idx="2"/>
+          </p:cNvCxnSpPr>
+          <p:nvPr/>
+        </p:nvCxnSpPr>
+        <p:spPr>
+          <a:xfrm>
+            <a:off x="9678139" y="932155"/>
+            <a:ext cx="0" cy="5925845"/>
+          </a:xfrm>
+          <a:prstGeom prst="line">
+            <a:avLst/>
+          </a:prstGeom>
+        </p:spPr>
+        <p:style>
+          <a:lnRef idx="1">
+            <a:schemeClr val="accent1"/>
+          </a:lnRef>
+          <a:fillRef idx="0">
+            <a:schemeClr val="accent1"/>
+          </a:fillRef>
+          <a:effectRef idx="0">
+            <a:schemeClr val="accent1"/>
+          </a:effectRef>
+          <a:fontRef idx="minor">
+            <a:schemeClr val="tx1"/>
+          </a:fontRef>
+        </p:style>
+      </p:cxnSp>
+      <p:cxnSp>
+        <p:nvCxnSpPr>
+          <p:cNvPr id="14" name="Straight Arrow Connector 13">
+            <a:extLst>
+              <a:ext uri="{FF2B5EF4-FFF2-40B4-BE49-F238E27FC236}">
+                <a16:creationId xmlns:a16="http://schemas.microsoft.com/office/drawing/2014/main" id="{50EE2CF6-57BF-44F9-9F0A-F94BE173C0D3}"/>
+              </a:ext>
+            </a:extLst>
+          </p:cNvPr>
+          <p:cNvCxnSpPr>
+            <a:cxnSpLocks/>
+            <a:stCxn id="19" idx="3"/>
+          </p:cNvCxnSpPr>
+          <p:nvPr/>
+        </p:nvCxnSpPr>
+        <p:spPr>
+          <a:xfrm>
+            <a:off x="2503501" y="1633492"/>
+            <a:ext cx="1825845" cy="0"/>
+          </a:xfrm>
+          <a:prstGeom prst="straightConnector1">
+            <a:avLst/>
+          </a:prstGeom>
+          <a:ln>
+            <a:tailEnd type="triangle"/>
+          </a:ln>
+        </p:spPr>
+        <p:style>
+          <a:lnRef idx="1">
+            <a:schemeClr val="accent1"/>
+          </a:lnRef>
+          <a:fillRef idx="0">
+            <a:schemeClr val="accent1"/>
+          </a:fillRef>
+          <a:effectRef idx="0">
+            <a:schemeClr val="accent1"/>
+          </a:effectRef>
+          <a:fontRef idx="minor">
+            <a:schemeClr val="tx1"/>
+          </a:fontRef>
+        </p:style>
+      </p:cxnSp>
+      <p:sp>
+        <p:nvSpPr>
+          <p:cNvPr id="19" name="Rectangle: Rounded Corners 18">
+            <a:extLst>
+              <a:ext uri="{FF2B5EF4-FFF2-40B4-BE49-F238E27FC236}">
+                <a16:creationId xmlns:a16="http://schemas.microsoft.com/office/drawing/2014/main" id="{43E85736-7C43-419A-A429-E701ECCEC14D}"/>
+              </a:ext>
+            </a:extLst>
+          </p:cNvPr>
+          <p:cNvSpPr/>
+          <p:nvPr/>
+        </p:nvSpPr>
+        <p:spPr>
+          <a:xfrm>
+            <a:off x="257452" y="1340530"/>
+            <a:ext cx="2246049" cy="585924"/>
+          </a:xfrm>
+          <a:prstGeom prst="roundRect">
+            <a:avLst/>
           </a:prstGeom>
           <a:solidFill>
             <a:schemeClr val="bg1"/>
@@ -7777,200 +8066,8 @@
         </p:spPr>
         <p:style>
           <a:lnRef idx="2">
-            <a:schemeClr val="dk1"/>
-          </a:lnRef>
-          <a:fillRef idx="1">
-            <a:schemeClr val="lt1"/>
-          </a:fillRef>
-          <a:effectRef idx="0">
-            <a:schemeClr val="dk1"/>
-          </a:effectRef>
-          <a:fontRef idx="minor">
-            <a:schemeClr val="dk1"/>
-          </a:fontRef>
-        </p:style>
-        <p:txBody>
-          <a:bodyPr rtlCol="0" anchor="ctr"/>
-          <a:lstStyle/>
-          <a:p>
-            <a:pPr algn="r"/>
-            <a:endParaRPr lang="en-US" sz="1400" dirty="0">
-              <a:solidFill>
-                <a:schemeClr val="tx1"/>
-              </a:solidFill>
-              <a:latin typeface="Source Sans Pro Light" panose="020B0403030403020204" pitchFamily="34" charset="0"/>
-              <a:ea typeface="Source Sans Pro Light" panose="020B0403030403020204" pitchFamily="34" charset="0"/>
-            </a:endParaRPr>
-          </a:p>
-          <a:p>
-            <a:pPr algn="r"/>
-            <a:endParaRPr lang="en-US" sz="1400" dirty="0">
-              <a:solidFill>
-                <a:schemeClr val="tx1"/>
-              </a:solidFill>
-              <a:latin typeface="Source Sans Pro Light" panose="020B0403030403020204" pitchFamily="34" charset="0"/>
-              <a:ea typeface="Source Sans Pro Light" panose="020B0403030403020204" pitchFamily="34" charset="0"/>
-            </a:endParaRPr>
-          </a:p>
-          <a:p>
-            <a:pPr algn="r"/>
-            <a:endParaRPr lang="en-US" sz="1400" dirty="0">
-              <a:solidFill>
-                <a:schemeClr val="tx1"/>
-              </a:solidFill>
-              <a:latin typeface="Source Sans Pro Light" panose="020B0403030403020204" pitchFamily="34" charset="0"/>
-              <a:ea typeface="Source Sans Pro Light" panose="020B0403030403020204" pitchFamily="34" charset="0"/>
-            </a:endParaRPr>
-          </a:p>
-          <a:p>
-            <a:pPr algn="r"/>
-            <a:endParaRPr lang="en-US" sz="1400" dirty="0">
-              <a:solidFill>
-                <a:schemeClr val="tx1"/>
-              </a:solidFill>
-              <a:latin typeface="Source Sans Pro Light" panose="020B0403030403020204" pitchFamily="34" charset="0"/>
-              <a:ea typeface="Source Sans Pro Light" panose="020B0403030403020204" pitchFamily="34" charset="0"/>
-            </a:endParaRPr>
-          </a:p>
-        </p:txBody>
-      </p:sp>
-      <p:sp>
-        <p:nvSpPr>
-          <p:cNvPr id="5" name="Rectangle: Rounded Corners 4">
-            <a:extLst>
-              <a:ext uri="{FF2B5EF4-FFF2-40B4-BE49-F238E27FC236}">
-                <a16:creationId xmlns:a16="http://schemas.microsoft.com/office/drawing/2014/main" id="{9606265E-2CB1-8549-39B1-87C4A194E93E}"/>
-              </a:ext>
-            </a:extLst>
-          </p:cNvPr>
-          <p:cNvSpPr/>
-          <p:nvPr/>
-        </p:nvSpPr>
-        <p:spPr>
-          <a:xfrm>
-            <a:off x="3735042" y="726788"/>
-            <a:ext cx="3172233" cy="1052365"/>
-          </a:xfrm>
-          <a:prstGeom prst="roundRect">
-            <a:avLst/>
-          </a:prstGeom>
-          <a:solidFill>
-            <a:schemeClr val="bg2"/>
-          </a:solidFill>
-          <a:ln w="12700">
-            <a:noFill/>
-          </a:ln>
-        </p:spPr>
-        <p:style>
-          <a:lnRef idx="2">
-            <a:schemeClr val="accent2"/>
-          </a:lnRef>
-          <a:fillRef idx="1">
-            <a:schemeClr val="lt1"/>
-          </a:fillRef>
-          <a:effectRef idx="0">
-            <a:schemeClr val="accent2"/>
-          </a:effectRef>
-          <a:fontRef idx="minor">
-            <a:schemeClr val="dk1"/>
-          </a:fontRef>
-        </p:style>
-        <p:txBody>
-          <a:bodyPr rtlCol="0" anchor="ctr"/>
-          <a:lstStyle/>
-          <a:p>
-            <a:pPr algn="ctr"/>
-            <a:r>
-              <a:rPr lang="fr-FR" sz="1400" dirty="0">
-                <a:solidFill>
-                  <a:schemeClr val="tx1"/>
-                </a:solidFill>
-                <a:latin typeface="Source Sans Pro" panose="020B0503030403020204" pitchFamily="34" charset="0"/>
-                <a:ea typeface="Source Sans Pro" panose="020B0503030403020204" pitchFamily="34" charset="0"/>
-              </a:rPr>
-              <a:t>Running </a:t>
-            </a:r>
-            <a:r>
-              <a:rPr lang="fr-FR" sz="1400" dirty="0" err="1">
-                <a:solidFill>
-                  <a:schemeClr val="tx1"/>
-                </a:solidFill>
-                <a:latin typeface="Source Sans Pro" panose="020B0503030403020204" pitchFamily="34" charset="0"/>
-                <a:ea typeface="Source Sans Pro" panose="020B0503030403020204" pitchFamily="34" charset="0"/>
-              </a:rPr>
-              <a:t>Feature</a:t>
-            </a:r>
-            <a:endParaRPr lang="fr-FR" sz="1400" dirty="0">
-              <a:solidFill>
-                <a:schemeClr val="tx1"/>
-              </a:solidFill>
-              <a:latin typeface="Source Sans Pro" panose="020B0503030403020204" pitchFamily="34" charset="0"/>
-              <a:ea typeface="Source Sans Pro" panose="020B0503030403020204" pitchFamily="34" charset="0"/>
-            </a:endParaRPr>
-          </a:p>
-          <a:p>
-            <a:pPr algn="ctr"/>
-            <a:endParaRPr lang="fr-FR" sz="1400" dirty="0">
-              <a:solidFill>
-                <a:schemeClr val="tx1"/>
-              </a:solidFill>
-              <a:latin typeface="Source Sans Pro" panose="020B0503030403020204" pitchFamily="34" charset="0"/>
-              <a:ea typeface="Source Sans Pro" panose="020B0503030403020204" pitchFamily="34" charset="0"/>
-            </a:endParaRPr>
-          </a:p>
-          <a:p>
-            <a:pPr algn="ctr"/>
-            <a:endParaRPr lang="en-US" sz="1400" dirty="0">
-              <a:solidFill>
-                <a:schemeClr val="tx1"/>
-              </a:solidFill>
-              <a:latin typeface="Source Sans Pro Light" panose="020B0403030403020204" pitchFamily="34" charset="0"/>
-              <a:ea typeface="Source Sans Pro Light" panose="020B0403030403020204" pitchFamily="34" charset="0"/>
-            </a:endParaRPr>
-          </a:p>
-          <a:p>
-            <a:pPr algn="ctr"/>
-            <a:endParaRPr lang="fr-FR" sz="1400" dirty="0">
-              <a:solidFill>
-                <a:schemeClr val="tx1"/>
-              </a:solidFill>
-              <a:latin typeface="Source Sans Pro Light" panose="020B0403030403020204" pitchFamily="34" charset="0"/>
-              <a:ea typeface="Source Sans Pro Light" panose="020B0403030403020204" pitchFamily="34" charset="0"/>
-            </a:endParaRPr>
-          </a:p>
-        </p:txBody>
-      </p:sp>
-      <p:sp>
-        <p:nvSpPr>
-          <p:cNvPr id="6" name="Rectangle: Rounded Corners 5">
-            <a:extLst>
-              <a:ext uri="{FF2B5EF4-FFF2-40B4-BE49-F238E27FC236}">
-                <a16:creationId xmlns:a16="http://schemas.microsoft.com/office/drawing/2014/main" id="{EAB92F88-3E68-D802-B3D9-B4AFECD33E20}"/>
-              </a:ext>
-            </a:extLst>
-          </p:cNvPr>
-          <p:cNvSpPr/>
-          <p:nvPr/>
-        </p:nvSpPr>
-        <p:spPr>
-          <a:xfrm>
-            <a:off x="567615" y="4579315"/>
-            <a:ext cx="9632095" cy="584538"/>
-          </a:xfrm>
-          <a:prstGeom prst="roundRect">
-            <a:avLst/>
-          </a:prstGeom>
-          <a:solidFill>
-            <a:schemeClr val="tx1"/>
-          </a:solidFill>
-          <a:ln w="12700">
-            <a:noFill/>
-          </a:ln>
-        </p:spPr>
-        <p:style>
-          <a:lnRef idx="2">
             <a:schemeClr val="accent1">
-              <a:shade val="15000"/>
+              <a:shade val="50000"/>
             </a:schemeClr>
           </a:lnRef>
           <a:fillRef idx="1">
@@ -7989,295 +8086,41 @@
           <a:p>
             <a:pPr algn="ctr"/>
             <a:r>
-              <a:rPr lang="en-US" sz="1400" dirty="0">
-                <a:latin typeface="Source Sans Pro" panose="020B0503030403020204" pitchFamily="34" charset="0"/>
+              <a:rPr lang="en-GB" sz="1400" dirty="0">
+                <a:solidFill>
+                  <a:schemeClr val="tx2"/>
+                </a:solidFill>
+                <a:latin typeface="Source Sans Pro Light" panose="020B0403030403020204" pitchFamily="34" charset="77"/>
                 <a:ea typeface="Source Sans Pro" panose="020B0503030403020204" pitchFamily="34" charset="0"/>
               </a:rPr>
-              <a:t>Permission map</a:t>
-            </a:r>
-          </a:p>
-        </p:txBody>
-      </p:sp>
-      <p:sp>
-        <p:nvSpPr>
-          <p:cNvPr id="12" name="Rectangle: Rounded Corners 11">
-            <a:extLst>
-              <a:ext uri="{FF2B5EF4-FFF2-40B4-BE49-F238E27FC236}">
-                <a16:creationId xmlns:a16="http://schemas.microsoft.com/office/drawing/2014/main" id="{1C785E8C-F7EC-A41C-98FC-ED11BF22C78E}"/>
-              </a:ext>
-            </a:extLst>
-          </p:cNvPr>
-          <p:cNvSpPr/>
-          <p:nvPr/>
-        </p:nvSpPr>
-        <p:spPr>
-          <a:xfrm>
-            <a:off x="421641" y="695706"/>
-            <a:ext cx="3172234" cy="1083447"/>
-          </a:xfrm>
-          <a:prstGeom prst="roundRect">
-            <a:avLst/>
-          </a:prstGeom>
-          <a:solidFill>
-            <a:schemeClr val="accent4"/>
-          </a:solidFill>
-          <a:ln w="12700">
-            <a:noFill/>
-            <a:prstDash val="dash"/>
-          </a:ln>
-        </p:spPr>
-        <p:style>
-          <a:lnRef idx="2">
-            <a:schemeClr val="accent6"/>
-          </a:lnRef>
-          <a:fillRef idx="1">
-            <a:schemeClr val="lt1"/>
-          </a:fillRef>
-          <a:effectRef idx="0">
-            <a:schemeClr val="accent6"/>
-          </a:effectRef>
-          <a:fontRef idx="minor">
-            <a:schemeClr val="dk1"/>
-          </a:fontRef>
-        </p:style>
-        <p:txBody>
-          <a:bodyPr rtlCol="0" anchor="ctr"/>
-          <a:lstStyle/>
-          <a:p>
-            <a:pPr algn="ctr"/>
-            <a:r>
-              <a:rPr lang="fr-FR" sz="1400" dirty="0">
-                <a:solidFill>
-                  <a:schemeClr val="bg1"/>
-                </a:solidFill>
-                <a:latin typeface="Source Sans Pro" panose="020B0503030403020204" pitchFamily="34" charset="0"/>
-                <a:ea typeface="Source Sans Pro" panose="020B0503030403020204" pitchFamily="34" charset="0"/>
-              </a:rPr>
-              <a:t>New </a:t>
-            </a:r>
-            <a:r>
-              <a:rPr lang="fr-FR" sz="1400" dirty="0" err="1">
-                <a:solidFill>
-                  <a:schemeClr val="bg1"/>
-                </a:solidFill>
-                <a:latin typeface="Source Sans Pro" panose="020B0503030403020204" pitchFamily="34" charset="0"/>
-                <a:ea typeface="Source Sans Pro" panose="020B0503030403020204" pitchFamily="34" charset="0"/>
-              </a:rPr>
-              <a:t>Feature</a:t>
-            </a:r>
-            <a:endParaRPr lang="fr-FR" sz="1400" dirty="0">
-              <a:solidFill>
-                <a:schemeClr val="bg1"/>
-              </a:solidFill>
-              <a:latin typeface="Source Sans Pro" panose="020B0503030403020204" pitchFamily="34" charset="0"/>
-              <a:ea typeface="Source Sans Pro" panose="020B0503030403020204" pitchFamily="34" charset="0"/>
-            </a:endParaRPr>
-          </a:p>
-          <a:p>
-            <a:pPr algn="ctr"/>
-            <a:endParaRPr lang="fr-FR" sz="1400" dirty="0">
-              <a:solidFill>
-                <a:schemeClr val="bg1"/>
-              </a:solidFill>
-              <a:latin typeface="Source Sans Pro Light" panose="020B0403030403020204" pitchFamily="34" charset="0"/>
-              <a:ea typeface="Source Sans Pro Light" panose="020B0403030403020204" pitchFamily="34" charset="0"/>
-            </a:endParaRPr>
-          </a:p>
-          <a:p>
-            <a:pPr algn="ctr"/>
-            <a:endParaRPr lang="fr-FR" sz="1400" dirty="0">
-              <a:solidFill>
-                <a:schemeClr val="bg1"/>
-              </a:solidFill>
-              <a:latin typeface="Source Sans Pro Light" panose="020B0403030403020204" pitchFamily="34" charset="0"/>
-              <a:ea typeface="Source Sans Pro Light" panose="020B0403030403020204" pitchFamily="34" charset="0"/>
-            </a:endParaRPr>
-          </a:p>
-          <a:p>
-            <a:pPr algn="ctr"/>
-            <a:endParaRPr lang="en-US" sz="1400" dirty="0">
-              <a:solidFill>
-                <a:schemeClr val="bg1"/>
-              </a:solidFill>
-              <a:latin typeface="Source Sans Pro Light" panose="020B0403030403020204" pitchFamily="34" charset="0"/>
-              <a:ea typeface="Source Sans Pro Light" panose="020B0403030403020204" pitchFamily="34" charset="0"/>
-            </a:endParaRPr>
-          </a:p>
-        </p:txBody>
-      </p:sp>
-      <p:sp>
-        <p:nvSpPr>
-          <p:cNvPr id="13" name="Rectangle: Rounded Corners 12">
-            <a:extLst>
-              <a:ext uri="{FF2B5EF4-FFF2-40B4-BE49-F238E27FC236}">
-                <a16:creationId xmlns:a16="http://schemas.microsoft.com/office/drawing/2014/main" id="{19ECD98E-7A0D-31D8-DA7E-E271460C184C}"/>
-              </a:ext>
-            </a:extLst>
-          </p:cNvPr>
-          <p:cNvSpPr/>
-          <p:nvPr/>
-        </p:nvSpPr>
-        <p:spPr>
-          <a:xfrm>
-            <a:off x="567616" y="1114806"/>
-            <a:ext cx="2871625" cy="522734"/>
-          </a:xfrm>
-          <a:prstGeom prst="roundRect">
-            <a:avLst/>
-          </a:prstGeom>
-          <a:ln w="12700">
-            <a:solidFill>
-              <a:schemeClr val="accent4"/>
-            </a:solidFill>
-          </a:ln>
-        </p:spPr>
-        <p:style>
-          <a:lnRef idx="2">
-            <a:schemeClr val="accent3"/>
-          </a:lnRef>
-          <a:fillRef idx="1">
-            <a:schemeClr val="lt1"/>
-          </a:fillRef>
-          <a:effectRef idx="0">
-            <a:schemeClr val="accent3"/>
-          </a:effectRef>
-          <a:fontRef idx="minor">
-            <a:schemeClr val="dk1"/>
-          </a:fontRef>
-        </p:style>
-        <p:txBody>
-          <a:bodyPr rtlCol="0" anchor="ctr"/>
-          <a:lstStyle/>
-          <a:p>
-            <a:pPr algn="ctr"/>
-            <a:r>
-              <a:rPr lang="fr-FR" sz="1400" dirty="0">
-                <a:latin typeface="Source Sans Pro Light" panose="020B0403030403020204" pitchFamily="34" charset="0"/>
-                <a:ea typeface="Source Sans Pro Light" panose="020B0403030403020204" pitchFamily="34" charset="0"/>
-              </a:rPr>
-              <a:t>New </a:t>
-            </a:r>
-            <a:r>
-              <a:rPr lang="fr-FR" sz="1400" dirty="0" err="1">
-                <a:latin typeface="Source Sans Pro Light" panose="020B0403030403020204" pitchFamily="34" charset="0"/>
-                <a:ea typeface="Source Sans Pro Light" panose="020B0403030403020204" pitchFamily="34" charset="0"/>
-              </a:rPr>
-              <a:t>Feature</a:t>
-            </a:r>
-            <a:r>
-              <a:rPr lang="fr-FR" sz="1400" dirty="0">
-                <a:latin typeface="Source Sans Pro Light" panose="020B0403030403020204" pitchFamily="34" charset="0"/>
-                <a:ea typeface="Source Sans Pro Light" panose="020B0403030403020204" pitchFamily="34" charset="0"/>
-              </a:rPr>
-              <a:t> </a:t>
-            </a:r>
-            <a:r>
-              <a:rPr lang="fr-FR" sz="1400" dirty="0" err="1">
-                <a:latin typeface="Source Sans Pro Light" panose="020B0403030403020204" pitchFamily="34" charset="0"/>
-                <a:ea typeface="Source Sans Pro Light" panose="020B0403030403020204" pitchFamily="34" charset="0"/>
-              </a:rPr>
-              <a:t>deployed</a:t>
-            </a:r>
-            <a:r>
-              <a:rPr lang="fr-FR" sz="1400" dirty="0">
-                <a:latin typeface="Source Sans Pro Light" panose="020B0403030403020204" pitchFamily="34" charset="0"/>
-                <a:ea typeface="Source Sans Pro Light" panose="020B0403030403020204" pitchFamily="34" charset="0"/>
-              </a:rPr>
-              <a:t> onto the Kernel</a:t>
-            </a:r>
-            <a:endParaRPr lang="en-US" sz="1400" dirty="0">
-              <a:latin typeface="Source Sans Pro Light" panose="020B0403030403020204" pitchFamily="34" charset="0"/>
-              <a:ea typeface="Source Sans Pro Light" panose="020B0403030403020204" pitchFamily="34" charset="0"/>
-            </a:endParaRPr>
-          </a:p>
-        </p:txBody>
-      </p:sp>
-      <p:sp>
-        <p:nvSpPr>
-          <p:cNvPr id="14" name="Rectangle: Rounded Corners 13">
-            <a:extLst>
-              <a:ext uri="{FF2B5EF4-FFF2-40B4-BE49-F238E27FC236}">
-                <a16:creationId xmlns:a16="http://schemas.microsoft.com/office/drawing/2014/main" id="{A675B611-431D-A99A-C141-9852C1E59B27}"/>
-              </a:ext>
-            </a:extLst>
-          </p:cNvPr>
-          <p:cNvSpPr/>
-          <p:nvPr/>
-        </p:nvSpPr>
-        <p:spPr>
-          <a:xfrm>
-            <a:off x="3890238" y="1113722"/>
-            <a:ext cx="2871815" cy="547393"/>
-          </a:xfrm>
-          <a:prstGeom prst="roundRect">
-            <a:avLst/>
-          </a:prstGeom>
-          <a:ln w="12700">
-            <a:noFill/>
-          </a:ln>
-        </p:spPr>
-        <p:style>
-          <a:lnRef idx="2">
-            <a:schemeClr val="accent3"/>
-          </a:lnRef>
-          <a:fillRef idx="1">
-            <a:schemeClr val="lt1"/>
-          </a:fillRef>
-          <a:effectRef idx="0">
-            <a:schemeClr val="accent3"/>
-          </a:effectRef>
-          <a:fontRef idx="minor">
-            <a:schemeClr val="dk1"/>
-          </a:fontRef>
-        </p:style>
-        <p:txBody>
-          <a:bodyPr rtlCol="0" anchor="ctr"/>
-          <a:lstStyle/>
-          <a:p>
-            <a:pPr algn="ctr"/>
-            <a:r>
-              <a:rPr lang="fr-FR" sz="1400" dirty="0">
-                <a:latin typeface="Source Sans Pro Light" panose="020B0403030403020204" pitchFamily="34" charset="0"/>
-                <a:ea typeface="Source Sans Pro Light" panose="020B0403030403020204" pitchFamily="34" charset="0"/>
-              </a:rPr>
-              <a:t>Check for permission</a:t>
-            </a:r>
-            <a:endParaRPr lang="en-US" sz="1400" dirty="0">
-              <a:latin typeface="Source Sans Pro Light" panose="020B0403030403020204" pitchFamily="34" charset="0"/>
-              <a:ea typeface="Source Sans Pro Light" panose="020B0403030403020204" pitchFamily="34" charset="0"/>
-            </a:endParaRPr>
+              <a:t>Install application event</a:t>
+            </a:r>
           </a:p>
         </p:txBody>
       </p:sp>
       <p:cxnSp>
         <p:nvCxnSpPr>
-          <p:cNvPr id="17" name="Straight Arrow Connector 16">
+          <p:cNvPr id="23" name="Straight Arrow Connector 22">
             <a:extLst>
               <a:ext uri="{FF2B5EF4-FFF2-40B4-BE49-F238E27FC236}">
-                <a16:creationId xmlns:a16="http://schemas.microsoft.com/office/drawing/2014/main" id="{3A22FA73-2672-9278-3C1D-B4CC37DA9C22}"/>
+                <a16:creationId xmlns:a16="http://schemas.microsoft.com/office/drawing/2014/main" id="{965E0091-F054-4052-8B07-D95F6B332B5B}"/>
               </a:ext>
             </a:extLst>
           </p:cNvPr>
           <p:cNvCxnSpPr>
             <a:cxnSpLocks/>
-            <a:stCxn id="12" idx="2"/>
-            <a:endCxn id="48" idx="0"/>
           </p:cNvCxnSpPr>
           <p:nvPr/>
         </p:nvCxnSpPr>
         <p:spPr>
-          <a:xfrm flipH="1">
-            <a:off x="2001470" y="1779153"/>
-            <a:ext cx="6288" cy="484867"/>
+          <a:xfrm>
+            <a:off x="4329346" y="1926454"/>
+            <a:ext cx="2674396" cy="0"/>
           </a:xfrm>
           <a:prstGeom prst="straightConnector1">
             <a:avLst/>
           </a:prstGeom>
-          <a:ln w="19050">
-            <a:solidFill>
-              <a:schemeClr val="accent4"/>
-            </a:solidFill>
-            <a:prstDash val="sysDash"/>
+          <a:ln>
             <a:tailEnd type="triangle"/>
           </a:ln>
         </p:spPr>
@@ -8296,39 +8139,173 @@
           </a:fontRef>
         </p:style>
       </p:cxnSp>
-      <p:cxnSp>
-        <p:nvCxnSpPr>
-          <p:cNvPr id="19" name="Straight Arrow Connector 18">
+      <p:sp>
+        <p:nvSpPr>
+          <p:cNvPr id="25" name="TextBox 24">
             <a:extLst>
               <a:ext uri="{FF2B5EF4-FFF2-40B4-BE49-F238E27FC236}">
-                <a16:creationId xmlns:a16="http://schemas.microsoft.com/office/drawing/2014/main" id="{E64CEBF7-3002-16FA-2931-91F2F872CFD2}"/>
+                <a16:creationId xmlns:a16="http://schemas.microsoft.com/office/drawing/2014/main" id="{9356C2FB-D7D2-4C1E-A47D-ECE9716B23FE}"/>
               </a:ext>
             </a:extLst>
           </p:cNvPr>
-          <p:cNvCxnSpPr>
-            <a:cxnSpLocks/>
-            <a:stCxn id="14" idx="2"/>
-            <a:endCxn id="78" idx="0"/>
-          </p:cNvCxnSpPr>
+          <p:cNvSpPr txBox="1"/>
+          <p:nvPr/>
+        </p:nvSpPr>
+        <p:spPr>
+          <a:xfrm>
+            <a:off x="4864226" y="1598157"/>
+            <a:ext cx="1839155" cy="215444"/>
+          </a:xfrm>
+          <a:prstGeom prst="rect">
+            <a:avLst/>
+          </a:prstGeom>
+          <a:noFill/>
+        </p:spPr>
+        <p:txBody>
+          <a:bodyPr vert="horz" wrap="square" lIns="0" tIns="0" rIns="0" bIns="0" numCol="1" spcCol="288000" rtlCol="0" anchor="t" anchorCtr="0">
+            <a:spAutoFit/>
+          </a:bodyPr>
+          <a:lstStyle/>
+          <a:p>
+            <a:pPr algn="l">
+              <a:spcBef>
+                <a:spcPts val="0"/>
+              </a:spcBef>
+              <a:spcAft>
+                <a:spcPts val="600"/>
+              </a:spcAft>
+            </a:pPr>
+            <a:r>
+              <a:rPr lang="en-GB" sz="1400" b="0" i="0" spc="0" dirty="0">
+                <a:ln>
+                  <a:noFill/>
+                </a:ln>
+                <a:solidFill>
+                  <a:schemeClr val="tx2"/>
+                </a:solidFill>
+                <a:latin typeface="Source Sans Pro Light" charset="0"/>
+                <a:ea typeface="Source Sans Pro Light" charset="0"/>
+                <a:cs typeface="Source Sans Pro Light" charset="0"/>
+              </a:rPr>
+              <a:t>Notify app installed</a:t>
+            </a:r>
+          </a:p>
+        </p:txBody>
+      </p:sp>
+      <p:cxnSp>
+        <p:nvCxnSpPr>
+          <p:cNvPr id="27" name="Straight Arrow Connector 26">
+            <a:extLst>
+              <a:ext uri="{FF2B5EF4-FFF2-40B4-BE49-F238E27FC236}">
+                <a16:creationId xmlns:a16="http://schemas.microsoft.com/office/drawing/2014/main" id="{E31285EF-41BE-47A5-9F19-3D647AE847C4}"/>
+              </a:ext>
+            </a:extLst>
+          </p:cNvPr>
+          <p:cNvCxnSpPr/>
           <p:nvPr/>
         </p:nvCxnSpPr>
         <p:spPr>
           <a:xfrm>
-            <a:off x="5326146" y="1661115"/>
-            <a:ext cx="2051" cy="2068237"/>
+            <a:off x="7003742" y="2227427"/>
+            <a:ext cx="2674397" cy="0"/>
           </a:xfrm>
           <a:prstGeom prst="straightConnector1">
             <a:avLst/>
           </a:prstGeom>
-          <a:ln w="19050">
-            <a:solidFill>
-              <a:schemeClr val="tx1">
-                <a:lumMod val="75000"/>
-                <a:lumOff val="25000"/>
-              </a:schemeClr>
-            </a:solidFill>
+          <a:ln>
             <a:tailEnd type="triangle"/>
           </a:ln>
+        </p:spPr>
+        <p:style>
+          <a:lnRef idx="1">
+            <a:schemeClr val="accent1"/>
+          </a:lnRef>
+          <a:fillRef idx="0">
+            <a:schemeClr val="accent1"/>
+          </a:fillRef>
+          <a:effectRef idx="0">
+            <a:schemeClr val="accent1"/>
+          </a:effectRef>
+          <a:fontRef idx="minor">
+            <a:schemeClr val="tx1"/>
+          </a:fontRef>
+        </p:style>
+      </p:cxnSp>
+      <p:sp>
+        <p:nvSpPr>
+          <p:cNvPr id="28" name="TextBox 27">
+            <a:extLst>
+              <a:ext uri="{FF2B5EF4-FFF2-40B4-BE49-F238E27FC236}">
+                <a16:creationId xmlns:a16="http://schemas.microsoft.com/office/drawing/2014/main" id="{7B7DC9A1-B61F-4E3C-ADE2-BC61D2D5222C}"/>
+              </a:ext>
+            </a:extLst>
+          </p:cNvPr>
+          <p:cNvSpPr txBox="1"/>
+          <p:nvPr/>
+        </p:nvSpPr>
+        <p:spPr>
+          <a:xfrm>
+            <a:off x="7461775" y="1905614"/>
+            <a:ext cx="1839155" cy="215444"/>
+          </a:xfrm>
+          <a:prstGeom prst="rect">
+            <a:avLst/>
+          </a:prstGeom>
+          <a:noFill/>
+        </p:spPr>
+        <p:txBody>
+          <a:bodyPr vert="horz" wrap="square" lIns="0" tIns="0" rIns="0" bIns="0" numCol="1" spcCol="288000" rtlCol="0" anchor="t" anchorCtr="0">
+            <a:spAutoFit/>
+          </a:bodyPr>
+          <a:lstStyle/>
+          <a:p>
+            <a:pPr algn="l">
+              <a:spcBef>
+                <a:spcPts val="0"/>
+              </a:spcBef>
+              <a:spcAft>
+                <a:spcPts val="600"/>
+              </a:spcAft>
+            </a:pPr>
+            <a:r>
+              <a:rPr lang="en-GB" sz="1400" b="0" i="0" spc="0" dirty="0">
+                <a:ln>
+                  <a:noFill/>
+                </a:ln>
+                <a:solidFill>
+                  <a:schemeClr val="tx2"/>
+                </a:solidFill>
+                <a:latin typeface="Source Sans Pro Light" charset="0"/>
+                <a:ea typeface="Source Sans Pro Light" charset="0"/>
+                <a:cs typeface="Source Sans Pro Light" charset="0"/>
+              </a:rPr>
+              <a:t>Load permission file</a:t>
+            </a:r>
+          </a:p>
+        </p:txBody>
+      </p:sp>
+      <p:cxnSp>
+        <p:nvCxnSpPr>
+          <p:cNvPr id="15" name="Connector: Elbow 14">
+            <a:extLst>
+              <a:ext uri="{FF2B5EF4-FFF2-40B4-BE49-F238E27FC236}">
+                <a16:creationId xmlns:a16="http://schemas.microsoft.com/office/drawing/2014/main" id="{6B25BB52-2ABB-45F7-BF75-8AC149BF904B}"/>
+              </a:ext>
+            </a:extLst>
+          </p:cNvPr>
+          <p:cNvCxnSpPr/>
+          <p:nvPr/>
+        </p:nvCxnSpPr>
+        <p:spPr>
+          <a:xfrm rot="16200000" flipH="1">
+            <a:off x="6926692" y="2500653"/>
+            <a:ext cx="398048" cy="243949"/>
+          </a:xfrm>
+          <a:prstGeom prst="bentConnector3">
+            <a:avLst>
+              <a:gd name="adj1" fmla="val 5393"/>
+            </a:avLst>
+          </a:prstGeom>
         </p:spPr>
         <p:style>
           <a:lnRef idx="1">
@@ -8350,34 +8327,622 @@
           <p:cNvPr id="20" name="Straight Arrow Connector 19">
             <a:extLst>
               <a:ext uri="{FF2B5EF4-FFF2-40B4-BE49-F238E27FC236}">
-                <a16:creationId xmlns:a16="http://schemas.microsoft.com/office/drawing/2014/main" id="{4700BB5A-4898-AF81-210C-2D51FC21F7B1}"/>
+                <a16:creationId xmlns:a16="http://schemas.microsoft.com/office/drawing/2014/main" id="{0B520B00-4211-4447-906E-16DC4271CACE}"/>
               </a:ext>
             </a:extLst>
           </p:cNvPr>
           <p:cNvCxnSpPr>
             <a:cxnSpLocks/>
-            <a:stCxn id="57" idx="2"/>
-            <a:endCxn id="59" idx="0"/>
           </p:cNvCxnSpPr>
           <p:nvPr/>
         </p:nvCxnSpPr>
         <p:spPr>
-          <a:xfrm>
-            <a:off x="2001470" y="3255325"/>
-            <a:ext cx="0" cy="474028"/>
+          <a:xfrm flipH="1">
+            <a:off x="7003741" y="2821652"/>
+            <a:ext cx="243950" cy="0"/>
           </a:xfrm>
           <a:prstGeom prst="straightConnector1">
             <a:avLst/>
           </a:prstGeom>
-          <a:ln w="19050">
-            <a:solidFill>
-              <a:schemeClr val="tx1">
-                <a:lumMod val="75000"/>
-                <a:lumOff val="25000"/>
-              </a:schemeClr>
-            </a:solidFill>
+          <a:ln>
             <a:tailEnd type="triangle"/>
           </a:ln>
+        </p:spPr>
+        <p:style>
+          <a:lnRef idx="1">
+            <a:schemeClr val="accent1"/>
+          </a:lnRef>
+          <a:fillRef idx="0">
+            <a:schemeClr val="accent1"/>
+          </a:fillRef>
+          <a:effectRef idx="0">
+            <a:schemeClr val="accent1"/>
+          </a:effectRef>
+          <a:fontRef idx="minor">
+            <a:schemeClr val="tx1"/>
+          </a:fontRef>
+        </p:style>
+      </p:cxnSp>
+      <p:sp>
+        <p:nvSpPr>
+          <p:cNvPr id="38" name="TextBox 37">
+            <a:extLst>
+              <a:ext uri="{FF2B5EF4-FFF2-40B4-BE49-F238E27FC236}">
+                <a16:creationId xmlns:a16="http://schemas.microsoft.com/office/drawing/2014/main" id="{A5B60E1F-2E7C-4C61-8D60-0789D8B1B0EA}"/>
+              </a:ext>
+            </a:extLst>
+          </p:cNvPr>
+          <p:cNvSpPr txBox="1"/>
+          <p:nvPr/>
+        </p:nvSpPr>
+        <p:spPr>
+          <a:xfrm>
+            <a:off x="7361806" y="2422252"/>
+            <a:ext cx="1839155" cy="430887"/>
+          </a:xfrm>
+          <a:prstGeom prst="rect">
+            <a:avLst/>
+          </a:prstGeom>
+          <a:noFill/>
+        </p:spPr>
+        <p:txBody>
+          <a:bodyPr vert="horz" wrap="square" lIns="0" tIns="0" rIns="0" bIns="0" numCol="1" spcCol="288000" rtlCol="0" anchor="t" anchorCtr="0">
+            <a:spAutoFit/>
+          </a:bodyPr>
+          <a:lstStyle/>
+          <a:p>
+            <a:pPr algn="l">
+              <a:spcBef>
+                <a:spcPts val="0"/>
+              </a:spcBef>
+              <a:spcAft>
+                <a:spcPts val="600"/>
+              </a:spcAft>
+            </a:pPr>
+            <a:r>
+              <a:rPr lang="en-GB" sz="1400" b="0" i="0" spc="0" dirty="0">
+                <a:ln>
+                  <a:noFill/>
+                </a:ln>
+                <a:solidFill>
+                  <a:schemeClr val="tx2"/>
+                </a:solidFill>
+                <a:latin typeface="Source Sans Pro Light" charset="0"/>
+                <a:ea typeface="Source Sans Pro Light" charset="0"/>
+                <a:cs typeface="Source Sans Pro Light" charset="0"/>
+              </a:rPr>
+              <a:t>Store application permissions</a:t>
+            </a:r>
+          </a:p>
+        </p:txBody>
+      </p:sp>
+      <p:sp>
+        <p:nvSpPr>
+          <p:cNvPr id="22" name="Rectangle 21">
+            <a:extLst>
+              <a:ext uri="{FF2B5EF4-FFF2-40B4-BE49-F238E27FC236}">
+                <a16:creationId xmlns:a16="http://schemas.microsoft.com/office/drawing/2014/main" id="{1679D5EA-E52C-41AD-8414-54601E67AD77}"/>
+              </a:ext>
+            </a:extLst>
+          </p:cNvPr>
+          <p:cNvSpPr/>
+          <p:nvPr/>
+        </p:nvSpPr>
+        <p:spPr>
+          <a:xfrm>
+            <a:off x="3812223" y="3114942"/>
+            <a:ext cx="6383036" cy="1739668"/>
+          </a:xfrm>
+          <a:prstGeom prst="rect">
+            <a:avLst/>
+          </a:prstGeom>
+          <a:noFill/>
+          <a:ln w="12700">
+            <a:solidFill>
+              <a:schemeClr val="accent1"/>
+            </a:solidFill>
+            <a:prstDash val="dash"/>
+          </a:ln>
+        </p:spPr>
+        <p:style>
+          <a:lnRef idx="2">
+            <a:schemeClr val="accent1">
+              <a:shade val="50000"/>
+            </a:schemeClr>
+          </a:lnRef>
+          <a:fillRef idx="1">
+            <a:schemeClr val="accent1"/>
+          </a:fillRef>
+          <a:effectRef idx="0">
+            <a:schemeClr val="accent1"/>
+          </a:effectRef>
+          <a:fontRef idx="minor">
+            <a:schemeClr val="lt1"/>
+          </a:fontRef>
+        </p:style>
+        <p:txBody>
+          <a:bodyPr rtlCol="0" anchor="ctr"/>
+          <a:lstStyle/>
+          <a:p>
+            <a:pPr algn="ctr"/>
+            <a:endParaRPr lang="en-GB" sz="1400" dirty="0">
+              <a:solidFill>
+                <a:schemeClr val="tx2"/>
+              </a:solidFill>
+              <a:latin typeface="Source Sans Pro Light" panose="020B0403030403020204" pitchFamily="34" charset="77"/>
+              <a:ea typeface="Source Sans Pro" panose="020B0503030403020204" pitchFamily="34" charset="0"/>
+            </a:endParaRPr>
+          </a:p>
+        </p:txBody>
+      </p:sp>
+      <p:cxnSp>
+        <p:nvCxnSpPr>
+          <p:cNvPr id="26" name="Straight Arrow Connector 25">
+            <a:extLst>
+              <a:ext uri="{FF2B5EF4-FFF2-40B4-BE49-F238E27FC236}">
+                <a16:creationId xmlns:a16="http://schemas.microsoft.com/office/drawing/2014/main" id="{50FB8BF3-0D05-4B22-99FF-7AC3C4D44E6D}"/>
+              </a:ext>
+            </a:extLst>
+          </p:cNvPr>
+          <p:cNvCxnSpPr/>
+          <p:nvPr/>
+        </p:nvCxnSpPr>
+        <p:spPr>
+          <a:xfrm flipH="1">
+            <a:off x="4329346" y="3895077"/>
+            <a:ext cx="5348793" cy="0"/>
+          </a:xfrm>
+          <a:prstGeom prst="straightConnector1">
+            <a:avLst/>
+          </a:prstGeom>
+          <a:ln>
+            <a:tailEnd type="triangle"/>
+          </a:ln>
+        </p:spPr>
+        <p:style>
+          <a:lnRef idx="1">
+            <a:schemeClr val="accent1"/>
+          </a:lnRef>
+          <a:fillRef idx="0">
+            <a:schemeClr val="accent1"/>
+          </a:fillRef>
+          <a:effectRef idx="0">
+            <a:schemeClr val="accent1"/>
+          </a:effectRef>
+          <a:fontRef idx="minor">
+            <a:schemeClr val="tx1"/>
+          </a:fontRef>
+        </p:style>
+      </p:cxnSp>
+      <p:sp>
+        <p:nvSpPr>
+          <p:cNvPr id="30" name="Rectangle: Rounded Corners 29">
+            <a:extLst>
+              <a:ext uri="{FF2B5EF4-FFF2-40B4-BE49-F238E27FC236}">
+                <a16:creationId xmlns:a16="http://schemas.microsoft.com/office/drawing/2014/main" id="{A5365C1C-85D7-4F0A-A7D2-E1E65D5443F7}"/>
+              </a:ext>
+            </a:extLst>
+          </p:cNvPr>
+          <p:cNvSpPr/>
+          <p:nvPr/>
+        </p:nvSpPr>
+        <p:spPr>
+          <a:xfrm>
+            <a:off x="8073500" y="2956057"/>
+            <a:ext cx="1265899" cy="317770"/>
+          </a:xfrm>
+          <a:prstGeom prst="roundRect">
+            <a:avLst/>
+          </a:prstGeom>
+          <a:solidFill>
+            <a:schemeClr val="bg1"/>
+          </a:solidFill>
+          <a:ln w="12700">
+            <a:noFill/>
+          </a:ln>
+        </p:spPr>
+        <p:style>
+          <a:lnRef idx="2">
+            <a:schemeClr val="accent1">
+              <a:shade val="50000"/>
+            </a:schemeClr>
+          </a:lnRef>
+          <a:fillRef idx="1">
+            <a:schemeClr val="accent1"/>
+          </a:fillRef>
+          <a:effectRef idx="0">
+            <a:schemeClr val="accent1"/>
+          </a:effectRef>
+          <a:fontRef idx="minor">
+            <a:schemeClr val="lt1"/>
+          </a:fontRef>
+        </p:style>
+        <p:txBody>
+          <a:bodyPr rtlCol="0" anchor="ctr"/>
+          <a:lstStyle/>
+          <a:p>
+            <a:pPr algn="ctr"/>
+            <a:r>
+              <a:rPr lang="en-GB" sz="1400" dirty="0">
+                <a:solidFill>
+                  <a:schemeClr val="tx2"/>
+                </a:solidFill>
+                <a:latin typeface="Source Sans Pro Light" panose="020B0403030403020204" pitchFamily="34" charset="77"/>
+                <a:ea typeface="Source Sans Pro" panose="020B0503030403020204" pitchFamily="34" charset="0"/>
+              </a:rPr>
+              <a:t>App execution</a:t>
+            </a:r>
+          </a:p>
+        </p:txBody>
+      </p:sp>
+      <p:sp>
+        <p:nvSpPr>
+          <p:cNvPr id="42" name="TextBox 41">
+            <a:extLst>
+              <a:ext uri="{FF2B5EF4-FFF2-40B4-BE49-F238E27FC236}">
+                <a16:creationId xmlns:a16="http://schemas.microsoft.com/office/drawing/2014/main" id="{DF99A703-88FD-41C2-A54B-DE9E75DD31E9}"/>
+              </a:ext>
+            </a:extLst>
+          </p:cNvPr>
+          <p:cNvSpPr txBox="1"/>
+          <p:nvPr/>
+        </p:nvSpPr>
+        <p:spPr>
+          <a:xfrm>
+            <a:off x="5248183" y="3403957"/>
+            <a:ext cx="3511116" cy="433553"/>
+          </a:xfrm>
+          <a:prstGeom prst="rect">
+            <a:avLst/>
+          </a:prstGeom>
+          <a:solidFill>
+            <a:schemeClr val="bg1"/>
+          </a:solidFill>
+        </p:spPr>
+        <p:txBody>
+          <a:bodyPr vert="horz" wrap="square" lIns="0" tIns="108000" rIns="0" bIns="108000" numCol="1" spcCol="288000" rtlCol="0" anchor="ctr" anchorCtr="0">
+            <a:spAutoFit/>
+          </a:bodyPr>
+          <a:lstStyle/>
+          <a:p>
+            <a:pPr algn="l">
+              <a:spcBef>
+                <a:spcPts val="0"/>
+              </a:spcBef>
+              <a:spcAft>
+                <a:spcPts val="600"/>
+              </a:spcAft>
+            </a:pPr>
+            <a:r>
+              <a:rPr lang="en-GB" sz="1400" b="0" i="0" spc="0" dirty="0">
+                <a:ln>
+                  <a:noFill/>
+                </a:ln>
+                <a:solidFill>
+                  <a:schemeClr val="tx2"/>
+                </a:solidFill>
+                <a:latin typeface="Source Sans Pro Light" charset="0"/>
+                <a:ea typeface="Source Sans Pro Light" charset="0"/>
+                <a:cs typeface="Source Sans Pro Light" charset="0"/>
+              </a:rPr>
+              <a:t>Protected API calls =&gt; trigger permission check</a:t>
+            </a:r>
+          </a:p>
+        </p:txBody>
+      </p:sp>
+      <p:cxnSp>
+        <p:nvCxnSpPr>
+          <p:cNvPr id="32" name="Straight Arrow Connector 31">
+            <a:extLst>
+              <a:ext uri="{FF2B5EF4-FFF2-40B4-BE49-F238E27FC236}">
+                <a16:creationId xmlns:a16="http://schemas.microsoft.com/office/drawing/2014/main" id="{1B3AF72B-FF89-4CBC-8A2C-CD528BCC5829}"/>
+              </a:ext>
+            </a:extLst>
+          </p:cNvPr>
+          <p:cNvCxnSpPr/>
+          <p:nvPr/>
+        </p:nvCxnSpPr>
+        <p:spPr>
+          <a:xfrm>
+            <a:off x="4329346" y="4545366"/>
+            <a:ext cx="2674395" cy="0"/>
+          </a:xfrm>
+          <a:prstGeom prst="straightConnector1">
+            <a:avLst/>
+          </a:prstGeom>
+          <a:ln>
+            <a:tailEnd type="triangle"/>
+          </a:ln>
+        </p:spPr>
+        <p:style>
+          <a:lnRef idx="1">
+            <a:schemeClr val="accent1"/>
+          </a:lnRef>
+          <a:fillRef idx="0">
+            <a:schemeClr val="accent1"/>
+          </a:fillRef>
+          <a:effectRef idx="0">
+            <a:schemeClr val="accent1"/>
+          </a:effectRef>
+          <a:fontRef idx="minor">
+            <a:schemeClr val="tx1"/>
+          </a:fontRef>
+        </p:style>
+      </p:cxnSp>
+      <p:sp>
+        <p:nvSpPr>
+          <p:cNvPr id="45" name="TextBox 44">
+            <a:extLst>
+              <a:ext uri="{FF2B5EF4-FFF2-40B4-BE49-F238E27FC236}">
+                <a16:creationId xmlns:a16="http://schemas.microsoft.com/office/drawing/2014/main" id="{66B25C57-293E-4BF5-93A8-490DE8491C58}"/>
+              </a:ext>
+            </a:extLst>
+          </p:cNvPr>
+          <p:cNvSpPr txBox="1"/>
+          <p:nvPr/>
+        </p:nvSpPr>
+        <p:spPr>
+          <a:xfrm>
+            <a:off x="4706556" y="4240445"/>
+            <a:ext cx="2194258" cy="215444"/>
+          </a:xfrm>
+          <a:prstGeom prst="rect">
+            <a:avLst/>
+          </a:prstGeom>
+          <a:noFill/>
+        </p:spPr>
+        <p:txBody>
+          <a:bodyPr vert="horz" wrap="square" lIns="0" tIns="0" rIns="0" bIns="0" numCol="1" spcCol="288000" rtlCol="0" anchor="t" anchorCtr="0">
+            <a:spAutoFit/>
+          </a:bodyPr>
+          <a:lstStyle/>
+          <a:p>
+            <a:pPr algn="l">
+              <a:spcBef>
+                <a:spcPts val="0"/>
+              </a:spcBef>
+              <a:spcAft>
+                <a:spcPts val="600"/>
+              </a:spcAft>
+            </a:pPr>
+            <a:r>
+              <a:rPr lang="en-GB" sz="1400" b="0" i="0" spc="0" dirty="0">
+                <a:ln>
+                  <a:noFill/>
+                </a:ln>
+                <a:solidFill>
+                  <a:schemeClr val="tx2"/>
+                </a:solidFill>
+                <a:latin typeface="Source Sans Pro Light" charset="0"/>
+                <a:ea typeface="Source Sans Pro Light" charset="0"/>
+                <a:cs typeface="Source Sans Pro Light" charset="0"/>
+              </a:rPr>
+              <a:t>Delegate permission check</a:t>
+            </a:r>
+          </a:p>
+        </p:txBody>
+      </p:sp>
+      <p:cxnSp>
+        <p:nvCxnSpPr>
+          <p:cNvPr id="48" name="Straight Arrow Connector 47">
+            <a:extLst>
+              <a:ext uri="{FF2B5EF4-FFF2-40B4-BE49-F238E27FC236}">
+                <a16:creationId xmlns:a16="http://schemas.microsoft.com/office/drawing/2014/main" id="{5FFE20FD-8F94-45B0-BCFF-752F1B5B1F5C}"/>
+              </a:ext>
+            </a:extLst>
+          </p:cNvPr>
+          <p:cNvCxnSpPr>
+            <a:cxnSpLocks/>
+            <a:stCxn id="51" idx="3"/>
+          </p:cNvCxnSpPr>
+          <p:nvPr/>
+        </p:nvCxnSpPr>
+        <p:spPr>
+          <a:xfrm>
+            <a:off x="2503501" y="5302613"/>
+            <a:ext cx="1825845" cy="0"/>
+          </a:xfrm>
+          <a:prstGeom prst="straightConnector1">
+            <a:avLst/>
+          </a:prstGeom>
+          <a:ln>
+            <a:tailEnd type="triangle"/>
+          </a:ln>
+        </p:spPr>
+        <p:style>
+          <a:lnRef idx="1">
+            <a:schemeClr val="accent1"/>
+          </a:lnRef>
+          <a:fillRef idx="0">
+            <a:schemeClr val="accent1"/>
+          </a:fillRef>
+          <a:effectRef idx="0">
+            <a:schemeClr val="accent1"/>
+          </a:effectRef>
+          <a:fontRef idx="minor">
+            <a:schemeClr val="tx1"/>
+          </a:fontRef>
+        </p:style>
+      </p:cxnSp>
+      <p:sp>
+        <p:nvSpPr>
+          <p:cNvPr id="51" name="Rectangle: Rounded Corners 50">
+            <a:extLst>
+              <a:ext uri="{FF2B5EF4-FFF2-40B4-BE49-F238E27FC236}">
+                <a16:creationId xmlns:a16="http://schemas.microsoft.com/office/drawing/2014/main" id="{43412E2F-E6FB-4DF6-91A5-592D2847D4B1}"/>
+              </a:ext>
+            </a:extLst>
+          </p:cNvPr>
+          <p:cNvSpPr/>
+          <p:nvPr/>
+        </p:nvSpPr>
+        <p:spPr>
+          <a:xfrm>
+            <a:off x="257452" y="5009651"/>
+            <a:ext cx="2246049" cy="585924"/>
+          </a:xfrm>
+          <a:prstGeom prst="roundRect">
+            <a:avLst/>
+          </a:prstGeom>
+          <a:solidFill>
+            <a:schemeClr val="bg1"/>
+          </a:solidFill>
+          <a:ln w="12700">
+            <a:solidFill>
+              <a:schemeClr val="bg2"/>
+            </a:solidFill>
+          </a:ln>
+        </p:spPr>
+        <p:style>
+          <a:lnRef idx="2">
+            <a:schemeClr val="accent1">
+              <a:shade val="50000"/>
+            </a:schemeClr>
+          </a:lnRef>
+          <a:fillRef idx="1">
+            <a:schemeClr val="accent1"/>
+          </a:fillRef>
+          <a:effectRef idx="0">
+            <a:schemeClr val="accent1"/>
+          </a:effectRef>
+          <a:fontRef idx="minor">
+            <a:schemeClr val="lt1"/>
+          </a:fontRef>
+        </p:style>
+        <p:txBody>
+          <a:bodyPr rtlCol="0" anchor="ctr"/>
+          <a:lstStyle/>
+          <a:p>
+            <a:pPr algn="ctr"/>
+            <a:r>
+              <a:rPr lang="en-GB" sz="1400" dirty="0">
+                <a:solidFill>
+                  <a:schemeClr val="tx2"/>
+                </a:solidFill>
+                <a:latin typeface="Source Sans Pro Light" panose="020B0403030403020204" pitchFamily="34" charset="77"/>
+                <a:ea typeface="Source Sans Pro" panose="020B0503030403020204" pitchFamily="34" charset="0"/>
+              </a:rPr>
+              <a:t>Uninstall application event</a:t>
+            </a:r>
+          </a:p>
+        </p:txBody>
+      </p:sp>
+      <p:cxnSp>
+        <p:nvCxnSpPr>
+          <p:cNvPr id="52" name="Straight Arrow Connector 51">
+            <a:extLst>
+              <a:ext uri="{FF2B5EF4-FFF2-40B4-BE49-F238E27FC236}">
+                <a16:creationId xmlns:a16="http://schemas.microsoft.com/office/drawing/2014/main" id="{193D9880-7E7B-4126-BD73-3B157DD90636}"/>
+              </a:ext>
+            </a:extLst>
+          </p:cNvPr>
+          <p:cNvCxnSpPr>
+            <a:cxnSpLocks/>
+          </p:cNvCxnSpPr>
+          <p:nvPr/>
+        </p:nvCxnSpPr>
+        <p:spPr>
+          <a:xfrm>
+            <a:off x="4329346" y="5595575"/>
+            <a:ext cx="2674396" cy="0"/>
+          </a:xfrm>
+          <a:prstGeom prst="straightConnector1">
+            <a:avLst/>
+          </a:prstGeom>
+          <a:ln>
+            <a:tailEnd type="triangle"/>
+          </a:ln>
+        </p:spPr>
+        <p:style>
+          <a:lnRef idx="1">
+            <a:schemeClr val="accent1"/>
+          </a:lnRef>
+          <a:fillRef idx="0">
+            <a:schemeClr val="accent1"/>
+          </a:fillRef>
+          <a:effectRef idx="0">
+            <a:schemeClr val="accent1"/>
+          </a:effectRef>
+          <a:fontRef idx="minor">
+            <a:schemeClr val="tx1"/>
+          </a:fontRef>
+        </p:style>
+      </p:cxnSp>
+      <p:sp>
+        <p:nvSpPr>
+          <p:cNvPr id="53" name="TextBox 52">
+            <a:extLst>
+              <a:ext uri="{FF2B5EF4-FFF2-40B4-BE49-F238E27FC236}">
+                <a16:creationId xmlns:a16="http://schemas.microsoft.com/office/drawing/2014/main" id="{0AF643C3-3F57-4CB6-981C-22447FE8B33C}"/>
+              </a:ext>
+            </a:extLst>
+          </p:cNvPr>
+          <p:cNvSpPr txBox="1"/>
+          <p:nvPr/>
+        </p:nvSpPr>
+        <p:spPr>
+          <a:xfrm>
+            <a:off x="4864226" y="5267278"/>
+            <a:ext cx="1839155" cy="215444"/>
+          </a:xfrm>
+          <a:prstGeom prst="rect">
+            <a:avLst/>
+          </a:prstGeom>
+          <a:noFill/>
+        </p:spPr>
+        <p:txBody>
+          <a:bodyPr vert="horz" wrap="square" lIns="0" tIns="0" rIns="0" bIns="0" numCol="1" spcCol="288000" rtlCol="0" anchor="t" anchorCtr="0">
+            <a:spAutoFit/>
+          </a:bodyPr>
+          <a:lstStyle/>
+          <a:p>
+            <a:pPr algn="l">
+              <a:spcBef>
+                <a:spcPts val="0"/>
+              </a:spcBef>
+              <a:spcAft>
+                <a:spcPts val="600"/>
+              </a:spcAft>
+            </a:pPr>
+            <a:r>
+              <a:rPr lang="en-GB" sz="1400" b="0" i="0" spc="0" dirty="0">
+                <a:ln>
+                  <a:noFill/>
+                </a:ln>
+                <a:solidFill>
+                  <a:schemeClr val="tx2"/>
+                </a:solidFill>
+                <a:latin typeface="Source Sans Pro Light" charset="0"/>
+                <a:ea typeface="Source Sans Pro Light" charset="0"/>
+                <a:cs typeface="Source Sans Pro Light" charset="0"/>
+              </a:rPr>
+              <a:t>Notify app uninstalled</a:t>
+            </a:r>
+          </a:p>
+        </p:txBody>
+      </p:sp>
+      <p:cxnSp>
+        <p:nvCxnSpPr>
+          <p:cNvPr id="57" name="Connector: Elbow 56">
+            <a:extLst>
+              <a:ext uri="{FF2B5EF4-FFF2-40B4-BE49-F238E27FC236}">
+                <a16:creationId xmlns:a16="http://schemas.microsoft.com/office/drawing/2014/main" id="{845637DF-24B9-46A0-9C78-46740F246BC4}"/>
+              </a:ext>
+            </a:extLst>
+          </p:cNvPr>
+          <p:cNvCxnSpPr/>
+          <p:nvPr/>
+        </p:nvCxnSpPr>
+        <p:spPr>
+          <a:xfrm rot="16200000" flipH="1">
+            <a:off x="6926692" y="5917087"/>
+            <a:ext cx="398048" cy="243949"/>
+          </a:xfrm>
+          <a:prstGeom prst="bentConnector3">
+            <a:avLst>
+              <a:gd name="adj1" fmla="val 5393"/>
+            </a:avLst>
+          </a:prstGeom>
         </p:spPr>
         <p:style>
           <a:lnRef idx="1">
@@ -8396,131 +8961,27 @@
       </p:cxnSp>
       <p:cxnSp>
         <p:nvCxnSpPr>
-          <p:cNvPr id="23" name="Straight Arrow Connector 22">
+          <p:cNvPr id="58" name="Straight Arrow Connector 57">
             <a:extLst>
               <a:ext uri="{FF2B5EF4-FFF2-40B4-BE49-F238E27FC236}">
-                <a16:creationId xmlns:a16="http://schemas.microsoft.com/office/drawing/2014/main" id="{0637B194-24A2-0CA3-6D77-53E62D8E552D}"/>
+                <a16:creationId xmlns:a16="http://schemas.microsoft.com/office/drawing/2014/main" id="{AFB08981-A792-4D8D-A73F-A294B30C3F18}"/>
               </a:ext>
             </a:extLst>
           </p:cNvPr>
           <p:cNvCxnSpPr>
             <a:cxnSpLocks/>
-            <a:stCxn id="48" idx="2"/>
-            <a:endCxn id="57" idx="0"/>
           </p:cNvCxnSpPr>
           <p:nvPr/>
         </p:nvCxnSpPr>
         <p:spPr>
-          <a:xfrm>
-            <a:off x="2001470" y="2479464"/>
-            <a:ext cx="0" cy="344974"/>
+          <a:xfrm flipH="1">
+            <a:off x="7003741" y="6238086"/>
+            <a:ext cx="243950" cy="0"/>
           </a:xfrm>
           <a:prstGeom prst="straightConnector1">
             <a:avLst/>
           </a:prstGeom>
-          <a:ln w="19050">
-            <a:solidFill>
-              <a:schemeClr val="tx1">
-                <a:lumMod val="75000"/>
-                <a:lumOff val="25000"/>
-              </a:schemeClr>
-            </a:solidFill>
-            <a:tailEnd type="triangle"/>
-          </a:ln>
-        </p:spPr>
-        <p:style>
-          <a:lnRef idx="1">
-            <a:schemeClr val="accent1"/>
-          </a:lnRef>
-          <a:fillRef idx="0">
-            <a:schemeClr val="accent1"/>
-          </a:fillRef>
-          <a:effectRef idx="0">
-            <a:schemeClr val="accent1"/>
-          </a:effectRef>
-          <a:fontRef idx="minor">
-            <a:schemeClr val="tx1"/>
-          </a:fontRef>
-        </p:style>
-      </p:cxnSp>
-      <p:cxnSp>
-        <p:nvCxnSpPr>
-          <p:cNvPr id="26" name="Straight Arrow Connector 25">
-            <a:extLst>
-              <a:ext uri="{FF2B5EF4-FFF2-40B4-BE49-F238E27FC236}">
-                <a16:creationId xmlns:a16="http://schemas.microsoft.com/office/drawing/2014/main" id="{86B470F1-50E4-F191-30BB-4E10C38A218D}"/>
-              </a:ext>
-            </a:extLst>
-          </p:cNvPr>
-          <p:cNvCxnSpPr>
-            <a:cxnSpLocks/>
-            <a:stCxn id="59" idx="2"/>
-          </p:cNvCxnSpPr>
-          <p:nvPr/>
-        </p:nvCxnSpPr>
-        <p:spPr>
-          <a:xfrm>
-            <a:off x="2001470" y="4160240"/>
-            <a:ext cx="2329" cy="419075"/>
-          </a:xfrm>
-          <a:prstGeom prst="straightConnector1">
-            <a:avLst/>
-          </a:prstGeom>
-          <a:ln w="19050">
-            <a:solidFill>
-              <a:schemeClr val="tx1">
-                <a:lumMod val="75000"/>
-                <a:lumOff val="25000"/>
-              </a:schemeClr>
-            </a:solidFill>
-            <a:tailEnd type="triangle"/>
-          </a:ln>
-        </p:spPr>
-        <p:style>
-          <a:lnRef idx="1">
-            <a:schemeClr val="accent1"/>
-          </a:lnRef>
-          <a:fillRef idx="0">
-            <a:schemeClr val="accent1"/>
-          </a:fillRef>
-          <a:effectRef idx="0">
-            <a:schemeClr val="accent1"/>
-          </a:effectRef>
-          <a:fontRef idx="minor">
-            <a:schemeClr val="tx1"/>
-          </a:fontRef>
-        </p:style>
-      </p:cxnSp>
-      <p:cxnSp>
-        <p:nvCxnSpPr>
-          <p:cNvPr id="30" name="Straight Arrow Connector 29">
-            <a:extLst>
-              <a:ext uri="{FF2B5EF4-FFF2-40B4-BE49-F238E27FC236}">
-                <a16:creationId xmlns:a16="http://schemas.microsoft.com/office/drawing/2014/main" id="{4C1AAD23-ADC0-3C8F-7428-697211BA2BAF}"/>
-              </a:ext>
-            </a:extLst>
-          </p:cNvPr>
-          <p:cNvCxnSpPr>
-            <a:cxnSpLocks/>
-            <a:stCxn id="78" idx="2"/>
-          </p:cNvCxnSpPr>
-          <p:nvPr/>
-        </p:nvCxnSpPr>
-        <p:spPr>
-          <a:xfrm>
-            <a:off x="5328197" y="4160239"/>
-            <a:ext cx="524" cy="419076"/>
-          </a:xfrm>
-          <a:prstGeom prst="straightConnector1">
-            <a:avLst/>
-          </a:prstGeom>
-          <a:ln w="19050">
-            <a:solidFill>
-              <a:schemeClr val="tx1">
-                <a:lumMod val="75000"/>
-                <a:lumOff val="25000"/>
-              </a:schemeClr>
-            </a:solidFill>
+          <a:ln>
             <a:tailEnd type="triangle"/>
           </a:ln>
         </p:spPr>
@@ -8541,522 +9002,10 @@
       </p:cxnSp>
       <p:sp>
         <p:nvSpPr>
-          <p:cNvPr id="39" name="Rectangle: Rounded Corners 38">
+          <p:cNvPr id="59" name="TextBox 58">
             <a:extLst>
               <a:ext uri="{FF2B5EF4-FFF2-40B4-BE49-F238E27FC236}">
-                <a16:creationId xmlns:a16="http://schemas.microsoft.com/office/drawing/2014/main" id="{9DE5194B-2060-40D4-9C91-964C77F45D11}"/>
-              </a:ext>
-            </a:extLst>
-          </p:cNvPr>
-          <p:cNvSpPr/>
-          <p:nvPr/>
-        </p:nvSpPr>
-        <p:spPr>
-          <a:xfrm>
-            <a:off x="7053590" y="726788"/>
-            <a:ext cx="3172233" cy="1052365"/>
-          </a:xfrm>
-          <a:prstGeom prst="roundRect">
-            <a:avLst/>
-          </a:prstGeom>
-          <a:solidFill>
-            <a:schemeClr val="accent1"/>
-          </a:solidFill>
-          <a:ln w="12700">
-            <a:noFill/>
-            <a:prstDash val="dash"/>
-          </a:ln>
-        </p:spPr>
-        <p:style>
-          <a:lnRef idx="2">
-            <a:schemeClr val="accent6"/>
-          </a:lnRef>
-          <a:fillRef idx="1">
-            <a:schemeClr val="lt1"/>
-          </a:fillRef>
-          <a:effectRef idx="0">
-            <a:schemeClr val="accent6"/>
-          </a:effectRef>
-          <a:fontRef idx="minor">
-            <a:schemeClr val="dk1"/>
-          </a:fontRef>
-        </p:style>
-        <p:txBody>
-          <a:bodyPr rtlCol="0" anchor="ctr"/>
-          <a:lstStyle/>
-          <a:p>
-            <a:pPr algn="ctr"/>
-            <a:r>
-              <a:rPr lang="fr-FR" sz="1400" dirty="0" err="1">
-                <a:solidFill>
-                  <a:schemeClr val="bg1"/>
-                </a:solidFill>
-                <a:latin typeface="Source Sans Pro" panose="020B0503030403020204" pitchFamily="34" charset="0"/>
-                <a:ea typeface="Source Sans Pro" panose="020B0503030403020204" pitchFamily="34" charset="0"/>
-              </a:rPr>
-              <a:t>Feature</a:t>
-            </a:r>
-            <a:r>
-              <a:rPr lang="fr-FR" sz="1400" dirty="0">
-                <a:solidFill>
-                  <a:schemeClr val="bg1"/>
-                </a:solidFill>
-                <a:latin typeface="Source Sans Pro" panose="020B0503030403020204" pitchFamily="34" charset="0"/>
-                <a:ea typeface="Source Sans Pro" panose="020B0503030403020204" pitchFamily="34" charset="0"/>
-              </a:rPr>
-              <a:t> to Stop</a:t>
-            </a:r>
-          </a:p>
-          <a:p>
-            <a:pPr algn="ctr"/>
-            <a:endParaRPr lang="fr-FR" sz="1400" dirty="0">
-              <a:solidFill>
-                <a:schemeClr val="bg1"/>
-              </a:solidFill>
-              <a:latin typeface="Source Sans Pro" panose="020B0503030403020204" pitchFamily="34" charset="0"/>
-              <a:ea typeface="Source Sans Pro" panose="020B0503030403020204" pitchFamily="34" charset="0"/>
-            </a:endParaRPr>
-          </a:p>
-          <a:p>
-            <a:pPr algn="ctr"/>
-            <a:endParaRPr lang="fr-FR" sz="1400" dirty="0">
-              <a:solidFill>
-                <a:schemeClr val="bg1"/>
-              </a:solidFill>
-              <a:latin typeface="Source Sans Pro" panose="020B0503030403020204" pitchFamily="34" charset="0"/>
-              <a:ea typeface="Source Sans Pro" panose="020B0503030403020204" pitchFamily="34" charset="0"/>
-            </a:endParaRPr>
-          </a:p>
-          <a:p>
-            <a:pPr algn="ctr"/>
-            <a:endParaRPr lang="fr-FR" sz="1400" dirty="0">
-              <a:solidFill>
-                <a:schemeClr val="bg1"/>
-              </a:solidFill>
-              <a:latin typeface="Source Sans Pro" panose="020B0503030403020204" pitchFamily="34" charset="0"/>
-              <a:ea typeface="Source Sans Pro" panose="020B0503030403020204" pitchFamily="34" charset="0"/>
-            </a:endParaRPr>
-          </a:p>
-        </p:txBody>
-      </p:sp>
-      <p:cxnSp>
-        <p:nvCxnSpPr>
-          <p:cNvPr id="41" name="Straight Arrow Connector 40">
-            <a:extLst>
-              <a:ext uri="{FF2B5EF4-FFF2-40B4-BE49-F238E27FC236}">
-                <a16:creationId xmlns:a16="http://schemas.microsoft.com/office/drawing/2014/main" id="{D52FA8B8-A30F-416C-8F27-CC194F570B38}"/>
-              </a:ext>
-            </a:extLst>
-          </p:cNvPr>
-          <p:cNvCxnSpPr>
-            <a:cxnSpLocks/>
-            <a:stCxn id="70" idx="0"/>
-            <a:endCxn id="62" idx="2"/>
-          </p:cNvCxnSpPr>
-          <p:nvPr/>
-        </p:nvCxnSpPr>
-        <p:spPr>
-          <a:xfrm flipV="1">
-            <a:off x="8634231" y="2479464"/>
-            <a:ext cx="3867" cy="394712"/>
-          </a:xfrm>
-          <a:prstGeom prst="straightConnector1">
-            <a:avLst/>
-          </a:prstGeom>
-          <a:ln w="19050">
-            <a:solidFill>
-              <a:schemeClr val="tx2"/>
-            </a:solidFill>
-            <a:prstDash val="solid"/>
-            <a:tailEnd type="triangle"/>
-          </a:ln>
-        </p:spPr>
-        <p:style>
-          <a:lnRef idx="1">
-            <a:schemeClr val="accent1"/>
-          </a:lnRef>
-          <a:fillRef idx="0">
-            <a:schemeClr val="accent1"/>
-          </a:fillRef>
-          <a:effectRef idx="0">
-            <a:schemeClr val="accent1"/>
-          </a:effectRef>
-          <a:fontRef idx="minor">
-            <a:schemeClr val="tx1"/>
-          </a:fontRef>
-        </p:style>
-      </p:cxnSp>
-      <p:cxnSp>
-        <p:nvCxnSpPr>
-          <p:cNvPr id="56" name="Straight Arrow Connector 55">
-            <a:extLst>
-              <a:ext uri="{FF2B5EF4-FFF2-40B4-BE49-F238E27FC236}">
-                <a16:creationId xmlns:a16="http://schemas.microsoft.com/office/drawing/2014/main" id="{3D9D3489-8039-46A7-B224-8EBDC5870AB0}"/>
-              </a:ext>
-            </a:extLst>
-          </p:cNvPr>
-          <p:cNvCxnSpPr>
-            <a:cxnSpLocks/>
-            <a:stCxn id="74" idx="2"/>
-          </p:cNvCxnSpPr>
-          <p:nvPr/>
-        </p:nvCxnSpPr>
-        <p:spPr>
-          <a:xfrm>
-            <a:off x="8634231" y="4219928"/>
-            <a:ext cx="0" cy="388896"/>
-          </a:xfrm>
-          <a:prstGeom prst="straightConnector1">
-            <a:avLst/>
-          </a:prstGeom>
-          <a:ln w="19050">
-            <a:solidFill>
-              <a:schemeClr val="tx1">
-                <a:lumMod val="75000"/>
-                <a:lumOff val="25000"/>
-              </a:schemeClr>
-            </a:solidFill>
-            <a:tailEnd type="triangle"/>
-          </a:ln>
-        </p:spPr>
-        <p:style>
-          <a:lnRef idx="1">
-            <a:schemeClr val="accent1"/>
-          </a:lnRef>
-          <a:fillRef idx="0">
-            <a:schemeClr val="accent1"/>
-          </a:fillRef>
-          <a:effectRef idx="0">
-            <a:schemeClr val="accent1"/>
-          </a:effectRef>
-          <a:fontRef idx="minor">
-            <a:schemeClr val="tx1"/>
-          </a:fontRef>
-        </p:style>
-      </p:cxnSp>
-      <p:cxnSp>
-        <p:nvCxnSpPr>
-          <p:cNvPr id="81" name="Straight Arrow Connector 80">
-            <a:extLst>
-              <a:ext uri="{FF2B5EF4-FFF2-40B4-BE49-F238E27FC236}">
-                <a16:creationId xmlns:a16="http://schemas.microsoft.com/office/drawing/2014/main" id="{3D125D75-8981-4269-8AB1-53DBEBCA4D74}"/>
-              </a:ext>
-            </a:extLst>
-          </p:cNvPr>
-          <p:cNvCxnSpPr>
-            <a:cxnSpLocks/>
-            <a:stCxn id="70" idx="2"/>
-            <a:endCxn id="74" idx="0"/>
-          </p:cNvCxnSpPr>
-          <p:nvPr/>
-        </p:nvCxnSpPr>
-        <p:spPr>
-          <a:xfrm>
-            <a:off x="8634231" y="3089620"/>
-            <a:ext cx="0" cy="699421"/>
-          </a:xfrm>
-          <a:prstGeom prst="straightConnector1">
-            <a:avLst/>
-          </a:prstGeom>
-          <a:ln w="19050">
-            <a:solidFill>
-              <a:schemeClr val="tx1">
-                <a:lumMod val="75000"/>
-                <a:lumOff val="25000"/>
-              </a:schemeClr>
-            </a:solidFill>
-            <a:tailEnd type="triangle"/>
-          </a:ln>
-        </p:spPr>
-        <p:style>
-          <a:lnRef idx="1">
-            <a:schemeClr val="accent1"/>
-          </a:lnRef>
-          <a:fillRef idx="0">
-            <a:schemeClr val="accent1"/>
-          </a:fillRef>
-          <a:effectRef idx="0">
-            <a:schemeClr val="accent1"/>
-          </a:effectRef>
-          <a:fontRef idx="minor">
-            <a:schemeClr val="tx1"/>
-          </a:fontRef>
-        </p:style>
-      </p:cxnSp>
-      <p:cxnSp>
-        <p:nvCxnSpPr>
-          <p:cNvPr id="22" name="Straight Arrow Connector 21">
-            <a:extLst>
-              <a:ext uri="{FF2B5EF4-FFF2-40B4-BE49-F238E27FC236}">
-                <a16:creationId xmlns:a16="http://schemas.microsoft.com/office/drawing/2014/main" id="{D75C755E-9AB2-B2F0-EB32-5717AF8DB11E}"/>
-              </a:ext>
-            </a:extLst>
-          </p:cNvPr>
-          <p:cNvCxnSpPr>
-            <a:cxnSpLocks/>
-            <a:stCxn id="62" idx="0"/>
-            <a:endCxn id="39" idx="2"/>
-          </p:cNvCxnSpPr>
-          <p:nvPr/>
-        </p:nvCxnSpPr>
-        <p:spPr>
-          <a:xfrm flipV="1">
-            <a:off x="8638098" y="1779153"/>
-            <a:ext cx="1609" cy="484867"/>
-          </a:xfrm>
-          <a:prstGeom prst="straightConnector1">
-            <a:avLst/>
-          </a:prstGeom>
-          <a:ln w="19050">
-            <a:solidFill>
-              <a:schemeClr val="accent1"/>
-            </a:solidFill>
-            <a:prstDash val="sysDash"/>
-            <a:tailEnd type="triangle"/>
-          </a:ln>
-        </p:spPr>
-        <p:style>
-          <a:lnRef idx="1">
-            <a:schemeClr val="accent1"/>
-          </a:lnRef>
-          <a:fillRef idx="0">
-            <a:schemeClr val="accent1"/>
-          </a:fillRef>
-          <a:effectRef idx="0">
-            <a:schemeClr val="accent1"/>
-          </a:effectRef>
-          <a:fontRef idx="minor">
-            <a:schemeClr val="tx1"/>
-          </a:fontRef>
-        </p:style>
-      </p:cxnSp>
-      <p:sp>
-        <p:nvSpPr>
-          <p:cNvPr id="131" name="Rectangle: Rounded Corners 130">
-            <a:extLst>
-              <a:ext uri="{FF2B5EF4-FFF2-40B4-BE49-F238E27FC236}">
-                <a16:creationId xmlns:a16="http://schemas.microsoft.com/office/drawing/2014/main" id="{610C6F39-ADC8-6B45-9DC9-CB18238107A2}"/>
-              </a:ext>
-            </a:extLst>
-          </p:cNvPr>
-          <p:cNvSpPr/>
-          <p:nvPr/>
-        </p:nvSpPr>
-        <p:spPr>
-          <a:xfrm>
-            <a:off x="7200352" y="1116033"/>
-            <a:ext cx="2871625" cy="547393"/>
-          </a:xfrm>
-          <a:prstGeom prst="roundRect">
-            <a:avLst/>
-          </a:prstGeom>
-          <a:ln w="12700">
-            <a:noFill/>
-          </a:ln>
-        </p:spPr>
-        <p:style>
-          <a:lnRef idx="2">
-            <a:schemeClr val="accent3"/>
-          </a:lnRef>
-          <a:fillRef idx="1">
-            <a:schemeClr val="lt1"/>
-          </a:fillRef>
-          <a:effectRef idx="0">
-            <a:schemeClr val="accent3"/>
-          </a:effectRef>
-          <a:fontRef idx="minor">
-            <a:schemeClr val="dk1"/>
-          </a:fontRef>
-        </p:style>
-        <p:txBody>
-          <a:bodyPr rtlCol="0" anchor="ctr"/>
-          <a:lstStyle/>
-          <a:p>
-            <a:pPr algn="ctr"/>
-            <a:r>
-              <a:rPr lang="fr-FR" sz="1400" dirty="0" err="1">
-                <a:latin typeface="Source Sans Pro Light" panose="020B0403030403020204" pitchFamily="34" charset="0"/>
-                <a:ea typeface="Source Sans Pro Light" panose="020B0403030403020204" pitchFamily="34" charset="0"/>
-              </a:rPr>
-              <a:t>Feature</a:t>
-            </a:r>
-            <a:r>
-              <a:rPr lang="fr-FR" sz="1400" dirty="0">
-                <a:latin typeface="Source Sans Pro Light" panose="020B0403030403020204" pitchFamily="34" charset="0"/>
-                <a:ea typeface="Source Sans Pro Light" panose="020B0403030403020204" pitchFamily="34" charset="0"/>
-              </a:rPr>
-              <a:t> to </a:t>
-            </a:r>
-            <a:r>
-              <a:rPr lang="fr-FR" sz="1400" dirty="0" err="1">
-                <a:latin typeface="Source Sans Pro Light" panose="020B0403030403020204" pitchFamily="34" charset="0"/>
-                <a:ea typeface="Source Sans Pro Light" panose="020B0403030403020204" pitchFamily="34" charset="0"/>
-              </a:rPr>
-              <a:t>uninstall</a:t>
-            </a:r>
-            <a:r>
-              <a:rPr lang="fr-FR" sz="1400" dirty="0">
-                <a:latin typeface="Source Sans Pro Light" panose="020B0403030403020204" pitchFamily="34" charset="0"/>
-                <a:ea typeface="Source Sans Pro Light" panose="020B0403030403020204" pitchFamily="34" charset="0"/>
-              </a:rPr>
-              <a:t> </a:t>
-            </a:r>
-            <a:r>
-              <a:rPr lang="fr-FR" sz="1400" dirty="0" err="1">
-                <a:latin typeface="Source Sans Pro Light" panose="020B0403030403020204" pitchFamily="34" charset="0"/>
-                <a:ea typeface="Source Sans Pro Light" panose="020B0403030403020204" pitchFamily="34" charset="0"/>
-              </a:rPr>
-              <a:t>from</a:t>
-            </a:r>
-            <a:r>
-              <a:rPr lang="fr-FR" sz="1400" dirty="0">
-                <a:latin typeface="Source Sans Pro Light" panose="020B0403030403020204" pitchFamily="34" charset="0"/>
-                <a:ea typeface="Source Sans Pro Light" panose="020B0403030403020204" pitchFamily="34" charset="0"/>
-              </a:rPr>
-              <a:t> the Kernel</a:t>
-            </a:r>
-            <a:endParaRPr lang="en-US" sz="1400" dirty="0">
-              <a:latin typeface="Source Sans Pro Light" panose="020B0403030403020204" pitchFamily="34" charset="0"/>
-              <a:ea typeface="Source Sans Pro Light" panose="020B0403030403020204" pitchFamily="34" charset="0"/>
-            </a:endParaRPr>
-          </a:p>
-        </p:txBody>
-      </p:sp>
-      <p:sp>
-        <p:nvSpPr>
-          <p:cNvPr id="2" name="Rectangle: Rounded Corners 1">
-            <a:extLst>
-              <a:ext uri="{FF2B5EF4-FFF2-40B4-BE49-F238E27FC236}">
-                <a16:creationId xmlns:a16="http://schemas.microsoft.com/office/drawing/2014/main" id="{DDD2C1FE-8447-E978-366C-1FB03FCADDF2}"/>
-              </a:ext>
-            </a:extLst>
-          </p:cNvPr>
-          <p:cNvSpPr/>
-          <p:nvPr/>
-        </p:nvSpPr>
-        <p:spPr>
-          <a:xfrm>
-            <a:off x="10199983" y="1840100"/>
-            <a:ext cx="1433857" cy="297440"/>
-          </a:xfrm>
-          <a:prstGeom prst="roundRect">
-            <a:avLst/>
-          </a:prstGeom>
-          <a:solidFill>
-            <a:schemeClr val="tx1"/>
-          </a:solidFill>
-          <a:ln w="12700">
-            <a:solidFill>
-              <a:schemeClr val="bg2"/>
-            </a:solidFill>
-          </a:ln>
-        </p:spPr>
-        <p:style>
-          <a:lnRef idx="2">
-            <a:schemeClr val="accent3"/>
-          </a:lnRef>
-          <a:fillRef idx="1">
-            <a:schemeClr val="lt1"/>
-          </a:fillRef>
-          <a:effectRef idx="0">
-            <a:schemeClr val="accent3"/>
-          </a:effectRef>
-          <a:fontRef idx="minor">
-            <a:schemeClr val="dk1"/>
-          </a:fontRef>
-        </p:style>
-        <p:txBody>
-          <a:bodyPr rtlCol="0" anchor="ctr"/>
-          <a:lstStyle/>
-          <a:p>
-            <a:pPr algn="ctr"/>
-            <a:r>
-              <a:rPr lang="fr-FR" sz="1400" dirty="0">
-                <a:solidFill>
-                  <a:schemeClr val="bg1"/>
-                </a:solidFill>
-                <a:latin typeface="Source Sans Pro" panose="020B0503030403020204" pitchFamily="34" charset="0"/>
-                <a:ea typeface="Source Sans Pro" panose="020B0503030403020204" pitchFamily="34" charset="0"/>
-              </a:rPr>
-              <a:t>Kernel</a:t>
-            </a:r>
-            <a:endParaRPr lang="en-US" sz="1400" dirty="0">
-              <a:solidFill>
-                <a:schemeClr val="bg1"/>
-              </a:solidFill>
-              <a:latin typeface="Source Sans Pro" panose="020B0503030403020204" pitchFamily="34" charset="0"/>
-              <a:ea typeface="Source Sans Pro" panose="020B0503030403020204" pitchFamily="34" charset="0"/>
-            </a:endParaRPr>
-          </a:p>
-        </p:txBody>
-      </p:sp>
-      <p:sp>
-        <p:nvSpPr>
-          <p:cNvPr id="8" name="Rectangle: Rounded Corners 7">
-            <a:extLst>
-              <a:ext uri="{FF2B5EF4-FFF2-40B4-BE49-F238E27FC236}">
-                <a16:creationId xmlns:a16="http://schemas.microsoft.com/office/drawing/2014/main" id="{7AB58B74-3427-3D02-F263-293F53F8FCC5}"/>
-              </a:ext>
-            </a:extLst>
-          </p:cNvPr>
-          <p:cNvSpPr/>
-          <p:nvPr/>
-        </p:nvSpPr>
-        <p:spPr>
-          <a:xfrm>
-            <a:off x="10204198" y="3174457"/>
-            <a:ext cx="1429642" cy="507924"/>
-          </a:xfrm>
-          <a:prstGeom prst="roundRect">
-            <a:avLst/>
-          </a:prstGeom>
-          <a:solidFill>
-            <a:schemeClr val="tx1"/>
-          </a:solidFill>
-          <a:ln w="12700">
-            <a:solidFill>
-              <a:schemeClr val="bg1"/>
-            </a:solidFill>
-          </a:ln>
-        </p:spPr>
-        <p:style>
-          <a:lnRef idx="2">
-            <a:schemeClr val="accent3"/>
-          </a:lnRef>
-          <a:fillRef idx="1">
-            <a:schemeClr val="lt1"/>
-          </a:fillRef>
-          <a:effectRef idx="0">
-            <a:schemeClr val="accent3"/>
-          </a:effectRef>
-          <a:fontRef idx="minor">
-            <a:schemeClr val="dk1"/>
-          </a:fontRef>
-        </p:style>
-        <p:txBody>
-          <a:bodyPr rtlCol="0" anchor="ctr"/>
-          <a:lstStyle/>
-          <a:p>
-            <a:pPr algn="ctr"/>
-            <a:r>
-              <a:rPr lang="fr-FR" sz="1400" dirty="0">
-                <a:solidFill>
-                  <a:schemeClr val="bg1"/>
-                </a:solidFill>
-                <a:latin typeface="Source Sans Pro" panose="020B0503030403020204" pitchFamily="34" charset="0"/>
-                <a:ea typeface="Source Sans Pro" panose="020B0503030403020204" pitchFamily="34" charset="0"/>
-              </a:rPr>
-              <a:t>Kernel Security Policy Manager</a:t>
-            </a:r>
-          </a:p>
-        </p:txBody>
-      </p:sp>
-      <p:sp>
-        <p:nvSpPr>
-          <p:cNvPr id="48" name="TextBox 47">
-            <a:extLst>
-              <a:ext uri="{FF2B5EF4-FFF2-40B4-BE49-F238E27FC236}">
-                <a16:creationId xmlns:a16="http://schemas.microsoft.com/office/drawing/2014/main" id="{E1B3016F-423B-4567-98CA-2D479E254175}"/>
+                <a16:creationId xmlns:a16="http://schemas.microsoft.com/office/drawing/2014/main" id="{26FD10F3-36F0-465D-83D4-DD8541CE7ACA}"/>
               </a:ext>
             </a:extLst>
           </p:cNvPr>
@@ -9065,8 +9014,8 @@
         </p:nvSpPr>
         <p:spPr>
           <a:xfrm>
-            <a:off x="567614" y="2264020"/>
-            <a:ext cx="2867712" cy="215444"/>
+            <a:off x="7361806" y="5838686"/>
+            <a:ext cx="1839155" cy="430887"/>
           </a:xfrm>
           <a:prstGeom prst="rect">
             <a:avLst/>
@@ -9079,7 +9028,7 @@
           </a:bodyPr>
           <a:lstStyle/>
           <a:p>
-            <a:pPr algn="ctr">
+            <a:pPr algn="l">
               <a:spcBef>
                 <a:spcPts val="0"/>
               </a:spcBef>
@@ -9088,7 +9037,10 @@
               </a:spcAft>
             </a:pPr>
             <a:r>
-              <a:rPr lang="en-GB" sz="1400" dirty="0">
+              <a:rPr lang="en-GB" sz="1400" b="0" i="0" spc="0" dirty="0">
+                <a:ln>
+                  <a:noFill/>
+                </a:ln>
                 <a:solidFill>
                   <a:schemeClr val="tx2"/>
                 </a:solidFill>
@@ -9096,28 +9048,17 @@
                 <a:ea typeface="Source Sans Pro Light" charset="0"/>
                 <a:cs typeface="Source Sans Pro Light" charset="0"/>
               </a:rPr>
-              <a:t>Install the Feature</a:t>
-            </a:r>
-            <a:endParaRPr lang="en-GB" sz="1400" b="0" i="0" spc="0" dirty="0">
-              <a:ln>
-                <a:noFill/>
-              </a:ln>
-              <a:solidFill>
-                <a:schemeClr val="tx2"/>
-              </a:solidFill>
-              <a:latin typeface="Source Sans Pro Light" charset="0"/>
-              <a:ea typeface="Source Sans Pro Light" charset="0"/>
-              <a:cs typeface="Source Sans Pro Light" charset="0"/>
-            </a:endParaRPr>
+              <a:t>Clean application permissions</a:t>
+            </a:r>
           </a:p>
         </p:txBody>
       </p:sp>
       <p:sp>
         <p:nvSpPr>
-          <p:cNvPr id="57" name="TextBox 56">
+          <p:cNvPr id="40" name="TextBox 39">
             <a:extLst>
               <a:ext uri="{FF2B5EF4-FFF2-40B4-BE49-F238E27FC236}">
-                <a16:creationId xmlns:a16="http://schemas.microsoft.com/office/drawing/2014/main" id="{D51929A3-6FDF-43A7-8AAD-DF12596DB153}"/>
+                <a16:creationId xmlns:a16="http://schemas.microsoft.com/office/drawing/2014/main" id="{3BE309A6-F9B1-412E-8974-B576A5E72856}"/>
               </a:ext>
             </a:extLst>
           </p:cNvPr>
@@ -9126,8 +9067,8 @@
         </p:nvSpPr>
         <p:spPr>
           <a:xfrm>
-            <a:off x="567614" y="2824438"/>
-            <a:ext cx="2867712" cy="430887"/>
+            <a:off x="275212" y="407764"/>
+            <a:ext cx="2467256" cy="569387"/>
           </a:xfrm>
           <a:prstGeom prst="rect">
             <a:avLst/>
@@ -9140,7 +9081,7 @@
           </a:bodyPr>
           <a:lstStyle/>
           <a:p>
-            <a:pPr algn="ctr">
+            <a:pPr algn="l">
               <a:spcBef>
                 <a:spcPts val="0"/>
               </a:spcBef>
@@ -9149,7 +9090,10 @@
               </a:spcAft>
             </a:pPr>
             <a:r>
-              <a:rPr lang="en-GB" sz="1400" dirty="0">
+              <a:rPr lang="en-GB" sz="1400" b="0" i="0" spc="0" dirty="0">
+                <a:ln>
+                  <a:noFill/>
+                </a:ln>
                 <a:solidFill>
                   <a:schemeClr val="tx2"/>
                 </a:solidFill>
@@ -9157,73 +9101,11 @@
                 <a:ea typeface="Source Sans Pro Light" charset="0"/>
                 <a:cs typeface="Source Sans Pro Light" charset="0"/>
               </a:rPr>
-              <a:t>Read permission file from the </a:t>
-            </a:r>
-            <a:r>
-              <a:rPr lang="en-GB" sz="1400" dirty="0" err="1">
-                <a:solidFill>
-                  <a:schemeClr val="tx2"/>
-                </a:solidFill>
-                <a:latin typeface="Source Sans Pro Light" charset="0"/>
-                <a:ea typeface="Source Sans Pro Light" charset="0"/>
-                <a:cs typeface="Source Sans Pro Light" charset="0"/>
-              </a:rPr>
-              <a:t>Feture</a:t>
-            </a:r>
-            <a:r>
-              <a:rPr lang="en-GB" sz="1400" dirty="0">
-                <a:solidFill>
-                  <a:schemeClr val="tx2"/>
-                </a:solidFill>
-                <a:latin typeface="Source Sans Pro Light" charset="0"/>
-                <a:ea typeface="Source Sans Pro Light" charset="0"/>
-                <a:cs typeface="Source Sans Pro Light" charset="0"/>
-              </a:rPr>
-              <a:t> resources</a:t>
-            </a:r>
-            <a:endParaRPr lang="en-GB" sz="1400" b="0" i="0" spc="0" dirty="0">
-              <a:ln>
-                <a:noFill/>
-              </a:ln>
-              <a:solidFill>
-                <a:schemeClr val="tx2"/>
-              </a:solidFill>
-              <a:latin typeface="Source Sans Pro Light" charset="0"/>
-              <a:ea typeface="Source Sans Pro Light" charset="0"/>
-              <a:cs typeface="Source Sans Pro Light" charset="0"/>
-            </a:endParaRPr>
-          </a:p>
-        </p:txBody>
-      </p:sp>
-      <p:sp>
-        <p:nvSpPr>
-          <p:cNvPr id="59" name="TextBox 58">
-            <a:extLst>
-              <a:ext uri="{FF2B5EF4-FFF2-40B4-BE49-F238E27FC236}">
-                <a16:creationId xmlns:a16="http://schemas.microsoft.com/office/drawing/2014/main" id="{8993DF7B-6C6C-48E6-BA39-8AA92AE56D0B}"/>
-              </a:ext>
-            </a:extLst>
-          </p:cNvPr>
-          <p:cNvSpPr txBox="1"/>
-          <p:nvPr/>
-        </p:nvSpPr>
-        <p:spPr>
-          <a:xfrm>
-            <a:off x="567614" y="3729353"/>
-            <a:ext cx="2867712" cy="430887"/>
-          </a:xfrm>
-          <a:prstGeom prst="rect">
-            <a:avLst/>
-          </a:prstGeom>
-          <a:noFill/>
-        </p:spPr>
-        <p:txBody>
-          <a:bodyPr vert="horz" wrap="square" lIns="0" tIns="0" rIns="0" bIns="0" numCol="1" spcCol="288000" rtlCol="0" anchor="t" anchorCtr="0">
-            <a:spAutoFit/>
-          </a:bodyPr>
-          <a:lstStyle/>
-          <a:p>
-            <a:pPr algn="ctr">
+              <a:t>Kernel Security Policy Manager</a:t>
+            </a:r>
+          </a:p>
+          <a:p>
+            <a:pPr algn="l">
               <a:spcBef>
                 <a:spcPts val="0"/>
               </a:spcBef>
@@ -9232,286 +9114,23 @@
               </a:spcAft>
             </a:pPr>
             <a:r>
-              <a:rPr lang="en-GB" sz="1400" dirty="0">
-                <a:solidFill>
-                  <a:schemeClr val="tx2"/>
-                </a:solidFill>
+              <a:rPr lang="en-GB" b="1" i="0" spc="0" dirty="0">
+                <a:ln>
+                  <a:noFill/>
+                </a:ln>
                 <a:latin typeface="Source Sans Pro Light" charset="0"/>
                 <a:ea typeface="Source Sans Pro Light" charset="0"/>
                 <a:cs typeface="Source Sans Pro Light" charset="0"/>
               </a:rPr>
-              <a:t>Parse permissions and add them to the authorized map</a:t>
-            </a:r>
-          </a:p>
-        </p:txBody>
-      </p:sp>
-      <p:sp>
-        <p:nvSpPr>
-          <p:cNvPr id="62" name="TextBox 61">
-            <a:extLst>
-              <a:ext uri="{FF2B5EF4-FFF2-40B4-BE49-F238E27FC236}">
-                <a16:creationId xmlns:a16="http://schemas.microsoft.com/office/drawing/2014/main" id="{1727AA9D-E3EB-430D-AA94-E51CEA757ECE}"/>
-              </a:ext>
-            </a:extLst>
-          </p:cNvPr>
-          <p:cNvSpPr txBox="1"/>
-          <p:nvPr/>
-        </p:nvSpPr>
-        <p:spPr>
-          <a:xfrm>
-            <a:off x="7200352" y="2264020"/>
-            <a:ext cx="2875492" cy="215444"/>
-          </a:xfrm>
-          <a:prstGeom prst="rect">
-            <a:avLst/>
-          </a:prstGeom>
-          <a:noFill/>
-        </p:spPr>
-        <p:txBody>
-          <a:bodyPr vert="horz" wrap="square" lIns="0" tIns="0" rIns="0" bIns="0" numCol="1" spcCol="288000" rtlCol="0" anchor="t" anchorCtr="0">
-            <a:spAutoFit/>
-          </a:bodyPr>
-          <a:lstStyle/>
-          <a:p>
-            <a:pPr algn="ctr">
-              <a:spcBef>
-                <a:spcPts val="0"/>
-              </a:spcBef>
-              <a:spcAft>
-                <a:spcPts val="600"/>
-              </a:spcAft>
-            </a:pPr>
-            <a:r>
-              <a:rPr lang="en-GB" sz="1400">
-                <a:solidFill>
-                  <a:schemeClr val="tx2"/>
-                </a:solidFill>
-                <a:latin typeface="Source Sans Pro Light" charset="0"/>
-                <a:ea typeface="Source Sans Pro Light" charset="0"/>
-                <a:cs typeface="Source Sans Pro Light" charset="0"/>
-              </a:rPr>
-              <a:t>Uninstall </a:t>
-            </a:r>
-            <a:r>
-              <a:rPr lang="en-GB" sz="1400" dirty="0">
-                <a:solidFill>
-                  <a:schemeClr val="tx2"/>
-                </a:solidFill>
-                <a:latin typeface="Source Sans Pro Light" charset="0"/>
-                <a:ea typeface="Source Sans Pro Light" charset="0"/>
-                <a:cs typeface="Source Sans Pro Light" charset="0"/>
-              </a:rPr>
-              <a:t>the Feature</a:t>
-            </a:r>
-            <a:endParaRPr lang="en-GB" sz="1400" b="0" i="0" spc="0" dirty="0">
-              <a:ln>
-                <a:noFill/>
-              </a:ln>
-              <a:solidFill>
-                <a:schemeClr val="tx2"/>
-              </a:solidFill>
-              <a:latin typeface="Source Sans Pro Light" charset="0"/>
-              <a:ea typeface="Source Sans Pro Light" charset="0"/>
-              <a:cs typeface="Source Sans Pro Light" charset="0"/>
-            </a:endParaRPr>
-          </a:p>
-        </p:txBody>
-      </p:sp>
-      <p:sp>
-        <p:nvSpPr>
-          <p:cNvPr id="70" name="TextBox 69">
-            <a:extLst>
-              <a:ext uri="{FF2B5EF4-FFF2-40B4-BE49-F238E27FC236}">
-                <a16:creationId xmlns:a16="http://schemas.microsoft.com/office/drawing/2014/main" id="{D6839318-B695-4DC7-B229-8E3682D299E2}"/>
-              </a:ext>
-            </a:extLst>
-          </p:cNvPr>
-          <p:cNvSpPr txBox="1"/>
-          <p:nvPr/>
-        </p:nvSpPr>
-        <p:spPr>
-          <a:xfrm>
-            <a:off x="7196485" y="2874176"/>
-            <a:ext cx="2875492" cy="215444"/>
-          </a:xfrm>
-          <a:prstGeom prst="rect">
-            <a:avLst/>
-          </a:prstGeom>
-          <a:noFill/>
-        </p:spPr>
-        <p:txBody>
-          <a:bodyPr vert="horz" wrap="square" lIns="0" tIns="0" rIns="0" bIns="0" numCol="1" spcCol="288000" rtlCol="0" anchor="t" anchorCtr="0">
-            <a:spAutoFit/>
-          </a:bodyPr>
-          <a:lstStyle/>
-          <a:p>
-            <a:pPr algn="ctr">
-              <a:spcBef>
-                <a:spcPts val="0"/>
-              </a:spcBef>
-              <a:spcAft>
-                <a:spcPts val="600"/>
-              </a:spcAft>
-            </a:pPr>
-            <a:r>
-              <a:rPr lang="en-GB" sz="1400" dirty="0" err="1">
-                <a:solidFill>
-                  <a:schemeClr val="tx2"/>
-                </a:solidFill>
-                <a:latin typeface="Source Sans Pro Light" charset="0"/>
-                <a:ea typeface="Source Sans Pro Light" charset="0"/>
-                <a:cs typeface="Source Sans Pro Light" charset="0"/>
-              </a:rPr>
-              <a:t>Feature.uninstall</a:t>
-            </a:r>
-            <a:r>
-              <a:rPr lang="en-GB" sz="1400" dirty="0">
-                <a:solidFill>
-                  <a:schemeClr val="tx2"/>
-                </a:solidFill>
-                <a:latin typeface="Source Sans Pro Light" charset="0"/>
-                <a:ea typeface="Source Sans Pro Light" charset="0"/>
-                <a:cs typeface="Source Sans Pro Light" charset="0"/>
-              </a:rPr>
-              <a:t>() is called </a:t>
-            </a:r>
-            <a:endParaRPr lang="en-GB" sz="1400" b="0" i="0" spc="0" dirty="0">
-              <a:ln>
-                <a:noFill/>
-              </a:ln>
-              <a:solidFill>
-                <a:schemeClr val="tx2"/>
-              </a:solidFill>
-              <a:latin typeface="Source Sans Pro Light" charset="0"/>
-              <a:ea typeface="Source Sans Pro Light" charset="0"/>
-              <a:cs typeface="Source Sans Pro Light" charset="0"/>
-            </a:endParaRPr>
-          </a:p>
-        </p:txBody>
-      </p:sp>
-      <p:sp>
-        <p:nvSpPr>
-          <p:cNvPr id="74" name="TextBox 73">
-            <a:extLst>
-              <a:ext uri="{FF2B5EF4-FFF2-40B4-BE49-F238E27FC236}">
-                <a16:creationId xmlns:a16="http://schemas.microsoft.com/office/drawing/2014/main" id="{9C471173-ACDB-4019-A19B-6ED79DEED2FD}"/>
-              </a:ext>
-            </a:extLst>
-          </p:cNvPr>
-          <p:cNvSpPr txBox="1"/>
-          <p:nvPr/>
-        </p:nvSpPr>
-        <p:spPr>
-          <a:xfrm>
-            <a:off x="7200375" y="3789041"/>
-            <a:ext cx="2867712" cy="430887"/>
-          </a:xfrm>
-          <a:prstGeom prst="rect">
-            <a:avLst/>
-          </a:prstGeom>
-          <a:noFill/>
-        </p:spPr>
-        <p:txBody>
-          <a:bodyPr vert="horz" wrap="square" lIns="0" tIns="0" rIns="0" bIns="0" numCol="1" spcCol="288000" rtlCol="0" anchor="t" anchorCtr="0">
-            <a:spAutoFit/>
-          </a:bodyPr>
-          <a:lstStyle/>
-          <a:p>
-            <a:pPr algn="ctr">
-              <a:spcBef>
-                <a:spcPts val="0"/>
-              </a:spcBef>
-              <a:spcAft>
-                <a:spcPts val="600"/>
-              </a:spcAft>
-            </a:pPr>
-            <a:r>
-              <a:rPr lang="en-GB" sz="1400" dirty="0">
-                <a:solidFill>
-                  <a:schemeClr val="tx2"/>
-                </a:solidFill>
-                <a:latin typeface="Source Sans Pro Light" charset="0"/>
-                <a:ea typeface="Source Sans Pro Light" charset="0"/>
-                <a:cs typeface="Source Sans Pro Light" charset="0"/>
-              </a:rPr>
-              <a:t>Remove cached permissions from the map if it exists</a:t>
-            </a:r>
-          </a:p>
-        </p:txBody>
-      </p:sp>
-      <p:sp>
-        <p:nvSpPr>
-          <p:cNvPr id="78" name="TextBox 77">
-            <a:extLst>
-              <a:ext uri="{FF2B5EF4-FFF2-40B4-BE49-F238E27FC236}">
-                <a16:creationId xmlns:a16="http://schemas.microsoft.com/office/drawing/2014/main" id="{E4FCB521-90AE-47AD-97BB-BE818B2C618E}"/>
-              </a:ext>
-            </a:extLst>
-          </p:cNvPr>
-          <p:cNvSpPr txBox="1"/>
-          <p:nvPr/>
-        </p:nvSpPr>
-        <p:spPr>
-          <a:xfrm>
-            <a:off x="3894341" y="3729352"/>
-            <a:ext cx="2867712" cy="430887"/>
-          </a:xfrm>
-          <a:prstGeom prst="rect">
-            <a:avLst/>
-          </a:prstGeom>
-          <a:noFill/>
-        </p:spPr>
-        <p:txBody>
-          <a:bodyPr vert="horz" wrap="square" lIns="0" tIns="0" rIns="0" bIns="0" numCol="1" spcCol="288000" rtlCol="0" anchor="t" anchorCtr="0">
-            <a:spAutoFit/>
-          </a:bodyPr>
-          <a:lstStyle/>
-          <a:p>
-            <a:pPr algn="ctr">
-              <a:spcBef>
-                <a:spcPts val="0"/>
-              </a:spcBef>
-              <a:spcAft>
-                <a:spcPts val="600"/>
-              </a:spcAft>
-            </a:pPr>
-            <a:r>
-              <a:rPr lang="en-GB" sz="1400" dirty="0">
-                <a:solidFill>
-                  <a:schemeClr val="tx2"/>
-                </a:solidFill>
-                <a:latin typeface="Source Sans Pro Light" charset="0"/>
-                <a:ea typeface="Source Sans Pro Light" charset="0"/>
-                <a:cs typeface="Source Sans Pro Light" charset="0"/>
-              </a:rPr>
-              <a:t>Check if permission is in the map. If not, throws a </a:t>
-            </a:r>
-            <a:r>
-              <a:rPr lang="en-GB" sz="1400" dirty="0" err="1">
-                <a:solidFill>
-                  <a:schemeClr val="tx2"/>
-                </a:solidFill>
-                <a:latin typeface="Source Sans Pro Light" charset="0"/>
-                <a:ea typeface="Source Sans Pro Light" charset="0"/>
-                <a:cs typeface="Source Sans Pro Light" charset="0"/>
-              </a:rPr>
-              <a:t>SecurityException</a:t>
-            </a:r>
-            <a:endParaRPr lang="en-GB" sz="1400" dirty="0">
-              <a:solidFill>
-                <a:schemeClr val="tx2"/>
-              </a:solidFill>
-              <a:latin typeface="Source Sans Pro Light" charset="0"/>
-              <a:ea typeface="Source Sans Pro Light" charset="0"/>
-              <a:cs typeface="Source Sans Pro Light" charset="0"/>
-            </a:endParaRPr>
+              <a:t>Sequence diagram</a:t>
+            </a:r>
           </a:p>
         </p:txBody>
       </p:sp>
     </p:spTree>
     <p:extLst>
       <p:ext uri="{BB962C8B-B14F-4D97-AF65-F5344CB8AC3E}">
-        <p14:creationId xmlns:p14="http://schemas.microsoft.com/office/powerpoint/2010/main" val="249975169"/>
+        <p14:creationId xmlns:p14="http://schemas.microsoft.com/office/powerpoint/2010/main" val="3863272138"/>
       </p:ext>
     </p:extLst>
   </p:cSld>
